--- a/Music Theory 02-17-18/Music Theory 02-17-18.pptx
+++ b/Music Theory 02-17-18/Music Theory 02-17-18.pptx
@@ -28,10 +28,10 @@
     <p:sldId id="284" r:id="rId16"/>
     <p:sldId id="285" r:id="rId17"/>
     <p:sldId id="286" r:id="rId18"/>
-    <p:sldId id="272" r:id="rId19"/>
-    <p:sldId id="264" r:id="rId20"/>
-    <p:sldId id="267" r:id="rId21"/>
-    <p:sldId id="262" r:id="rId22"/>
+    <p:sldId id="267" r:id="rId19"/>
+    <p:sldId id="262" r:id="rId20"/>
+    <p:sldId id="272" r:id="rId21"/>
+    <p:sldId id="264" r:id="rId22"/>
   </p:sldIdLst>
   <p:sldSz cx="12192000" cy="6858000"/>
   <p:notesSz cx="6858000" cy="9144000"/>
@@ -132,7 +132,7 @@
   </p:defaultTextStyle>
   <p:extLst>
     <p:ext uri="{EFAFB233-063F-42B5-8137-9DF3F51BA10A}">
-      <p15:sldGuideLst xmlns:p15="http://schemas.microsoft.com/office/powerpoint/2012/main" xmlns="">
+      <p15:sldGuideLst xmlns:p15="http://schemas.microsoft.com/office/powerpoint/2012/main">
         <p15:guide id="1" orient="horz" pos="2160" userDrawn="1">
           <p15:clr>
             <a:srgbClr val="A4A3A4"/>
@@ -146,14 +146,10 @@
       </p15:sldGuideLst>
     </p:ext>
     <p:ext uri="{2D200454-40CA-4A62-9FC3-DE9A4176ACB9}">
-      <p15:notesGuideLst xmlns:p15="http://schemas.microsoft.com/office/powerpoint/2012/main" xmlns=""/>
+      <p15:notesGuideLst xmlns:p15="http://schemas.microsoft.com/office/powerpoint/2012/main"/>
     </p:ext>
   </p:extLst>
 </p:presentation>
-</file>
-
-<file path=ppt/revisionInfo.xml><?xml version="1.0" encoding="utf-8"?>
-<p1510:revInfo xmlns:a="http://schemas.openxmlformats.org/drawingml/2006/main" xmlns:r="http://schemas.openxmlformats.org/officeDocument/2006/relationships" xmlns:p1510="http://schemas.microsoft.com/office/powerpoint/2015/10/main"/>
 </file>
 
 <file path=ppt/handoutMasters/handoutMaster1.xml><?xml version="1.0" encoding="utf-8"?>
@@ -4014,20 +4010,15 @@
           <a:p>
             <a:r>
               <a:rPr lang="en-US" dirty="0"/>
-              <a:t>Music </a:t>
-            </a:r>
-            <a:r>
-              <a:rPr lang="en-US" dirty="0" smtClean="0"/>
-              <a:t>Theory</a:t>
+              <a:t>Music Theory</a:t>
             </a:r>
             <a:br>
-              <a:rPr lang="en-US" dirty="0" smtClean="0"/>
+              <a:rPr lang="en-US" dirty="0"/>
             </a:br>
             <a:r>
-              <a:rPr lang="en-US" dirty="0" smtClean="0"/>
+              <a:rPr lang="en-US" dirty="0"/>
               <a:t>Lesson #2 of 5</a:t>
             </a:r>
-            <a:endParaRPr lang="en-US" dirty="0"/>
           </a:p>
         </p:txBody>
       </p:sp>
@@ -4063,7 +4054,7 @@
           <p:cNvPr id="1028" name="Picture 4" descr="Image result for music">
             <a:extLst>
               <a:ext uri="{FF2B5EF4-FFF2-40B4-BE49-F238E27FC236}">
-                <a16:creationId xmlns:a16="http://schemas.microsoft.com/office/drawing/2014/main" xmlns="" id="{B16EB225-5657-44F5-B246-FF56F700CA18}"/>
+                <a16:creationId xmlns:a16="http://schemas.microsoft.com/office/drawing/2014/main" id="{B16EB225-5657-44F5-B246-FF56F700CA18}"/>
               </a:ext>
             </a:extLst>
           </p:cNvPr>
@@ -4152,7 +4143,7 @@
           <p:cNvPr id="2" name="Title 1">
             <a:extLst>
               <a:ext uri="{FF2B5EF4-FFF2-40B4-BE49-F238E27FC236}">
-                <a16:creationId xmlns:a16="http://schemas.microsoft.com/office/drawing/2014/main" xmlns="" id="{2C741890-DAC4-4021-98F0-B480078668DE}"/>
+                <a16:creationId xmlns:a16="http://schemas.microsoft.com/office/drawing/2014/main" id="{2C741890-DAC4-4021-98F0-B480078668DE}"/>
               </a:ext>
             </a:extLst>
           </p:cNvPr>
@@ -4170,11 +4161,11 @@
           </a:bodyPr>
           <a:lstStyle/>
           <a:p>
-            <a:r>
-              <a:rPr lang="en-US" dirty="0" smtClean="0"/>
+            <a:pPr algn="ctr"/>
+            <a:r>
+              <a:rPr lang="en-US" dirty="0"/>
               <a:t>#13 Circle of Fifths</a:t>
             </a:r>
-            <a:endParaRPr lang="en-US" dirty="0"/>
           </a:p>
         </p:txBody>
       </p:sp>
@@ -4183,7 +4174,7 @@
           <p:cNvPr id="3" name="Content Placeholder 2">
             <a:extLst>
               <a:ext uri="{FF2B5EF4-FFF2-40B4-BE49-F238E27FC236}">
-                <a16:creationId xmlns:a16="http://schemas.microsoft.com/office/drawing/2014/main" xmlns="" id="{CB273D54-0A4C-4467-A5EE-1D2D0731561F}"/>
+                <a16:creationId xmlns:a16="http://schemas.microsoft.com/office/drawing/2014/main" id="{CB273D54-0A4C-4467-A5EE-1D2D0731561F}"/>
               </a:ext>
             </a:extLst>
           </p:cNvPr>
@@ -4199,10 +4190,46 @@
           <a:bodyPr/>
           <a:lstStyle/>
           <a:p>
-            <a:endParaRPr lang="en-US" dirty="0"/>
-          </a:p>
-        </p:txBody>
-      </p:sp>
+            <a:pPr marL="0" indent="0">
+              <a:buNone/>
+            </a:pPr>
+            <a:r>
+              <a:rPr lang="en-US" dirty="0"/>
+              <a:t> </a:t>
+            </a:r>
+          </a:p>
+        </p:txBody>
+      </p:sp>
+      <p:pic>
+        <p:nvPicPr>
+          <p:cNvPr id="4" name="Picture 3">
+            <a:extLst>
+              <a:ext uri="{FF2B5EF4-FFF2-40B4-BE49-F238E27FC236}">
+                <a16:creationId xmlns:a16="http://schemas.microsoft.com/office/drawing/2014/main" id="{A0FB6061-40FB-4977-AE76-8C1B0450852E}"/>
+              </a:ext>
+            </a:extLst>
+          </p:cNvPr>
+          <p:cNvPicPr>
+            <a:picLocks noChangeAspect="1"/>
+          </p:cNvPicPr>
+          <p:nvPr/>
+        </p:nvPicPr>
+        <p:blipFill>
+          <a:blip r:embed="rId2"/>
+          <a:stretch>
+            <a:fillRect/>
+          </a:stretch>
+        </p:blipFill>
+        <p:spPr>
+          <a:xfrm>
+            <a:off x="3078990" y="1825625"/>
+            <a:ext cx="5833007" cy="4351338"/>
+          </a:xfrm>
+          <a:prstGeom prst="rect">
+            <a:avLst/>
+          </a:prstGeom>
+        </p:spPr>
+      </p:pic>
     </p:spTree>
     <p:extLst>
       <p:ext uri="{BB962C8B-B14F-4D97-AF65-F5344CB8AC3E}">
@@ -4250,7 +4277,7 @@
           <p:cNvPr id="2" name="Title 1">
             <a:extLst>
               <a:ext uri="{FF2B5EF4-FFF2-40B4-BE49-F238E27FC236}">
-                <a16:creationId xmlns:a16="http://schemas.microsoft.com/office/drawing/2014/main" xmlns="" id="{2C741890-DAC4-4021-98F0-B480078668DE}"/>
+                <a16:creationId xmlns:a16="http://schemas.microsoft.com/office/drawing/2014/main" id="{2C741890-DAC4-4021-98F0-B480078668DE}"/>
               </a:ext>
             </a:extLst>
           </p:cNvPr>
@@ -4261,18 +4288,27 @@
             <p:ph type="title"/>
           </p:nvPr>
         </p:nvSpPr>
-        <p:spPr/>
+        <p:spPr>
+          <a:xfrm>
+            <a:off x="662668" y="311623"/>
+            <a:ext cx="10515600" cy="1325563"/>
+          </a:xfrm>
+        </p:spPr>
         <p:txBody>
           <a:bodyPr>
             <a:normAutofit/>
           </a:bodyPr>
           <a:lstStyle/>
           <a:p>
-            <a:r>
-              <a:rPr lang="en-US" dirty="0" smtClean="0"/>
+            <a:pPr algn="ctr"/>
+            <a:r>
+              <a:rPr lang="en-US" dirty="0">
+                <a:solidFill>
+                  <a:srgbClr val="FF0000"/>
+                </a:solidFill>
+              </a:rPr>
               <a:t>#14 Key of Music</a:t>
             </a:r>
-            <a:endParaRPr lang="en-US" dirty="0"/>
           </a:p>
         </p:txBody>
       </p:sp>
@@ -4281,7 +4317,7 @@
           <p:cNvPr id="3" name="Content Placeholder 2">
             <a:extLst>
               <a:ext uri="{FF2B5EF4-FFF2-40B4-BE49-F238E27FC236}">
-                <a16:creationId xmlns:a16="http://schemas.microsoft.com/office/drawing/2014/main" xmlns="" id="{CB273D54-0A4C-4467-A5EE-1D2D0731561F}"/>
+                <a16:creationId xmlns:a16="http://schemas.microsoft.com/office/drawing/2014/main" id="{CB273D54-0A4C-4467-A5EE-1D2D0731561F}"/>
               </a:ext>
             </a:extLst>
           </p:cNvPr>
@@ -4292,15 +4328,86 @@
             <p:ph idx="1"/>
           </p:nvPr>
         </p:nvSpPr>
-        <p:spPr/>
+        <p:spPr>
+          <a:xfrm>
+            <a:off x="662668" y="1797772"/>
+            <a:ext cx="10515600" cy="4351338"/>
+          </a:xfrm>
+        </p:spPr>
         <p:txBody>
           <a:bodyPr/>
           <a:lstStyle/>
           <a:p>
-            <a:endParaRPr lang="en-US" dirty="0"/>
-          </a:p>
-        </p:txBody>
-      </p:sp>
+            <a:pPr marL="0" indent="0">
+              <a:buNone/>
+            </a:pPr>
+            <a:r>
+              <a:rPr lang="en-US" dirty="0"/>
+              <a:t> </a:t>
+            </a:r>
+          </a:p>
+        </p:txBody>
+      </p:sp>
+      <p:pic>
+        <p:nvPicPr>
+          <p:cNvPr id="4" name="Picture 3">
+            <a:extLst>
+              <a:ext uri="{FF2B5EF4-FFF2-40B4-BE49-F238E27FC236}">
+                <a16:creationId xmlns:a16="http://schemas.microsoft.com/office/drawing/2014/main" id="{80BA6878-B6A1-4612-9EAB-46FC8EDCCDEC}"/>
+              </a:ext>
+            </a:extLst>
+          </p:cNvPr>
+          <p:cNvPicPr>
+            <a:picLocks noChangeAspect="1"/>
+          </p:cNvPicPr>
+          <p:nvPr/>
+        </p:nvPicPr>
+        <p:blipFill>
+          <a:blip r:embed="rId2"/>
+          <a:stretch>
+            <a:fillRect/>
+          </a:stretch>
+        </p:blipFill>
+        <p:spPr>
+          <a:xfrm>
+            <a:off x="662668" y="2358429"/>
+            <a:ext cx="5082268" cy="3230023"/>
+          </a:xfrm>
+          <a:prstGeom prst="rect">
+            <a:avLst/>
+          </a:prstGeom>
+        </p:spPr>
+      </p:pic>
+      <p:pic>
+        <p:nvPicPr>
+          <p:cNvPr id="5" name="Picture 4">
+            <a:extLst>
+              <a:ext uri="{FF2B5EF4-FFF2-40B4-BE49-F238E27FC236}">
+                <a16:creationId xmlns:a16="http://schemas.microsoft.com/office/drawing/2014/main" id="{4F779C39-B8D1-4573-83F6-6187390F4FC6}"/>
+              </a:ext>
+            </a:extLst>
+          </p:cNvPr>
+          <p:cNvPicPr>
+            <a:picLocks noChangeAspect="1"/>
+          </p:cNvPicPr>
+          <p:nvPr/>
+        </p:nvPicPr>
+        <p:blipFill>
+          <a:blip r:embed="rId3"/>
+          <a:stretch>
+            <a:fillRect/>
+          </a:stretch>
+        </p:blipFill>
+        <p:spPr>
+          <a:xfrm>
+            <a:off x="5650366" y="2370186"/>
+            <a:ext cx="5582330" cy="3230022"/>
+          </a:xfrm>
+          <a:prstGeom prst="rect">
+            <a:avLst/>
+          </a:prstGeom>
+        </p:spPr>
+      </p:pic>
     </p:spTree>
     <p:extLst>
       <p:ext uri="{BB962C8B-B14F-4D97-AF65-F5344CB8AC3E}">
@@ -4348,7 +4455,7 @@
           <p:cNvPr id="2" name="Title 1">
             <a:extLst>
               <a:ext uri="{FF2B5EF4-FFF2-40B4-BE49-F238E27FC236}">
-                <a16:creationId xmlns:a16="http://schemas.microsoft.com/office/drawing/2014/main" xmlns="" id="{2C741890-DAC4-4021-98F0-B480078668DE}"/>
+                <a16:creationId xmlns:a16="http://schemas.microsoft.com/office/drawing/2014/main" id="{2C741890-DAC4-4021-98F0-B480078668DE}"/>
               </a:ext>
             </a:extLst>
           </p:cNvPr>
@@ -4366,11 +4473,11 @@
           </a:bodyPr>
           <a:lstStyle/>
           <a:p>
-            <a:r>
-              <a:rPr lang="en-US" dirty="0" smtClean="0"/>
+            <a:pPr algn="ctr"/>
+            <a:r>
+              <a:rPr lang="en-US" dirty="0"/>
               <a:t>#15 Upbeat or Pickup Beat</a:t>
             </a:r>
-            <a:endParaRPr lang="en-US" dirty="0"/>
           </a:p>
         </p:txBody>
       </p:sp>
@@ -4379,7 +4486,7 @@
           <p:cNvPr id="3" name="Content Placeholder 2">
             <a:extLst>
               <a:ext uri="{FF2B5EF4-FFF2-40B4-BE49-F238E27FC236}">
-                <a16:creationId xmlns:a16="http://schemas.microsoft.com/office/drawing/2014/main" xmlns="" id="{CB273D54-0A4C-4467-A5EE-1D2D0731561F}"/>
+                <a16:creationId xmlns:a16="http://schemas.microsoft.com/office/drawing/2014/main" id="{CB273D54-0A4C-4467-A5EE-1D2D0731561F}"/>
               </a:ext>
             </a:extLst>
           </p:cNvPr>
@@ -4395,10 +4502,76 @@
           <a:bodyPr/>
           <a:lstStyle/>
           <a:p>
-            <a:endParaRPr lang="en-US" dirty="0"/>
-          </a:p>
-        </p:txBody>
-      </p:sp>
+            <a:pPr marL="0" indent="0">
+              <a:buNone/>
+            </a:pPr>
+            <a:r>
+              <a:rPr lang="en-US" dirty="0"/>
+              <a:t> </a:t>
+            </a:r>
+          </a:p>
+        </p:txBody>
+      </p:sp>
+      <p:pic>
+        <p:nvPicPr>
+          <p:cNvPr id="4" name="Picture 3">
+            <a:extLst>
+              <a:ext uri="{FF2B5EF4-FFF2-40B4-BE49-F238E27FC236}">
+                <a16:creationId xmlns:a16="http://schemas.microsoft.com/office/drawing/2014/main" id="{D8CBCBE3-5774-4EEA-A6DF-831BF2D75586}"/>
+              </a:ext>
+            </a:extLst>
+          </p:cNvPr>
+          <p:cNvPicPr>
+            <a:picLocks noChangeAspect="1"/>
+          </p:cNvPicPr>
+          <p:nvPr/>
+        </p:nvPicPr>
+        <p:blipFill>
+          <a:blip r:embed="rId2"/>
+          <a:stretch>
+            <a:fillRect/>
+          </a:stretch>
+        </p:blipFill>
+        <p:spPr>
+          <a:xfrm>
+            <a:off x="1255071" y="2172003"/>
+            <a:ext cx="5191125" cy="3381375"/>
+          </a:xfrm>
+          <a:prstGeom prst="rect">
+            <a:avLst/>
+          </a:prstGeom>
+        </p:spPr>
+      </p:pic>
+      <p:pic>
+        <p:nvPicPr>
+          <p:cNvPr id="5" name="Picture 4">
+            <a:extLst>
+              <a:ext uri="{FF2B5EF4-FFF2-40B4-BE49-F238E27FC236}">
+                <a16:creationId xmlns:a16="http://schemas.microsoft.com/office/drawing/2014/main" id="{90D971CE-4860-48F7-86CE-5B280285639D}"/>
+              </a:ext>
+            </a:extLst>
+          </p:cNvPr>
+          <p:cNvPicPr>
+            <a:picLocks noChangeAspect="1"/>
+          </p:cNvPicPr>
+          <p:nvPr/>
+        </p:nvPicPr>
+        <p:blipFill>
+          <a:blip r:embed="rId3"/>
+          <a:stretch>
+            <a:fillRect/>
+          </a:stretch>
+        </p:blipFill>
+        <p:spPr>
+          <a:xfrm>
+            <a:off x="7271888" y="1873704"/>
+            <a:ext cx="3342906" cy="4303259"/>
+          </a:xfrm>
+          <a:prstGeom prst="rect">
+            <a:avLst/>
+          </a:prstGeom>
+        </p:spPr>
+      </p:pic>
     </p:spTree>
     <p:extLst>
       <p:ext uri="{BB962C8B-B14F-4D97-AF65-F5344CB8AC3E}">
@@ -4446,7 +4619,7 @@
           <p:cNvPr id="2" name="Title 1">
             <a:extLst>
               <a:ext uri="{FF2B5EF4-FFF2-40B4-BE49-F238E27FC236}">
-                <a16:creationId xmlns:a16="http://schemas.microsoft.com/office/drawing/2014/main" xmlns="" id="{2C741890-DAC4-4021-98F0-B480078668DE}"/>
+                <a16:creationId xmlns:a16="http://schemas.microsoft.com/office/drawing/2014/main" id="{2C741890-DAC4-4021-98F0-B480078668DE}"/>
               </a:ext>
             </a:extLst>
           </p:cNvPr>
@@ -4464,11 +4637,11 @@
           </a:bodyPr>
           <a:lstStyle/>
           <a:p>
-            <a:r>
-              <a:rPr lang="en-US" dirty="0" smtClean="0"/>
+            <a:pPr algn="ctr"/>
+            <a:r>
+              <a:rPr lang="en-US" dirty="0"/>
               <a:t>#16 Basic Intervals</a:t>
             </a:r>
-            <a:endParaRPr lang="en-US" dirty="0"/>
           </a:p>
         </p:txBody>
       </p:sp>
@@ -4477,7 +4650,7 @@
           <p:cNvPr id="3" name="Content Placeholder 2">
             <a:extLst>
               <a:ext uri="{FF2B5EF4-FFF2-40B4-BE49-F238E27FC236}">
-                <a16:creationId xmlns:a16="http://schemas.microsoft.com/office/drawing/2014/main" xmlns="" id="{CB273D54-0A4C-4467-A5EE-1D2D0731561F}"/>
+                <a16:creationId xmlns:a16="http://schemas.microsoft.com/office/drawing/2014/main" id="{CB273D54-0A4C-4467-A5EE-1D2D0731561F}"/>
               </a:ext>
             </a:extLst>
           </p:cNvPr>
@@ -4493,10 +4666,106 @@
           <a:bodyPr/>
           <a:lstStyle/>
           <a:p>
-            <a:endParaRPr lang="en-US" dirty="0"/>
-          </a:p>
-        </p:txBody>
-      </p:sp>
+            <a:pPr marL="0" indent="0">
+              <a:buNone/>
+            </a:pPr>
+            <a:r>
+              <a:rPr lang="en-US" dirty="0"/>
+              <a:t> </a:t>
+            </a:r>
+          </a:p>
+        </p:txBody>
+      </p:sp>
+      <p:pic>
+        <p:nvPicPr>
+          <p:cNvPr id="5" name="Picture 4">
+            <a:extLst>
+              <a:ext uri="{FF2B5EF4-FFF2-40B4-BE49-F238E27FC236}">
+                <a16:creationId xmlns:a16="http://schemas.microsoft.com/office/drawing/2014/main" id="{FACE5E36-FDA2-4A5D-9675-7FD087911180}"/>
+              </a:ext>
+            </a:extLst>
+          </p:cNvPr>
+          <p:cNvPicPr>
+            <a:picLocks noChangeAspect="1"/>
+          </p:cNvPicPr>
+          <p:nvPr/>
+        </p:nvPicPr>
+        <p:blipFill>
+          <a:blip r:embed="rId2"/>
+          <a:stretch>
+            <a:fillRect/>
+          </a:stretch>
+        </p:blipFill>
+        <p:spPr>
+          <a:xfrm>
+            <a:off x="838200" y="3938588"/>
+            <a:ext cx="6038850" cy="2238375"/>
+          </a:xfrm>
+          <a:prstGeom prst="rect">
+            <a:avLst/>
+          </a:prstGeom>
+        </p:spPr>
+      </p:pic>
+      <p:pic>
+        <p:nvPicPr>
+          <p:cNvPr id="6" name="Picture 5">
+            <a:extLst>
+              <a:ext uri="{FF2B5EF4-FFF2-40B4-BE49-F238E27FC236}">
+                <a16:creationId xmlns:a16="http://schemas.microsoft.com/office/drawing/2014/main" id="{C8A5CA85-95CC-41B6-9885-0B97E5DEE014}"/>
+              </a:ext>
+            </a:extLst>
+          </p:cNvPr>
+          <p:cNvPicPr>
+            <a:picLocks noChangeAspect="1"/>
+          </p:cNvPicPr>
+          <p:nvPr/>
+        </p:nvPicPr>
+        <p:blipFill>
+          <a:blip r:embed="rId3"/>
+          <a:stretch>
+            <a:fillRect/>
+          </a:stretch>
+        </p:blipFill>
+        <p:spPr>
+          <a:xfrm>
+            <a:off x="7275274" y="3968085"/>
+            <a:ext cx="4078526" cy="2196645"/>
+          </a:xfrm>
+          <a:prstGeom prst="rect">
+            <a:avLst/>
+          </a:prstGeom>
+        </p:spPr>
+      </p:pic>
+      <p:pic>
+        <p:nvPicPr>
+          <p:cNvPr id="4" name="Picture 3">
+            <a:extLst>
+              <a:ext uri="{FF2B5EF4-FFF2-40B4-BE49-F238E27FC236}">
+                <a16:creationId xmlns:a16="http://schemas.microsoft.com/office/drawing/2014/main" id="{C6A63CE6-F610-4AD6-8139-986A280EF62C}"/>
+              </a:ext>
+            </a:extLst>
+          </p:cNvPr>
+          <p:cNvPicPr>
+            <a:picLocks noChangeAspect="1"/>
+          </p:cNvPicPr>
+          <p:nvPr/>
+        </p:nvPicPr>
+        <p:blipFill>
+          <a:blip r:embed="rId4"/>
+          <a:stretch>
+            <a:fillRect/>
+          </a:stretch>
+        </p:blipFill>
+        <p:spPr>
+          <a:xfrm>
+            <a:off x="3929423" y="1825625"/>
+            <a:ext cx="4389071" cy="2130227"/>
+          </a:xfrm>
+          <a:prstGeom prst="rect">
+            <a:avLst/>
+          </a:prstGeom>
+        </p:spPr>
+      </p:pic>
     </p:spTree>
     <p:extLst>
       <p:ext uri="{BB962C8B-B14F-4D97-AF65-F5344CB8AC3E}">
@@ -4544,7 +4813,7 @@
           <p:cNvPr id="2" name="Title 1">
             <a:extLst>
               <a:ext uri="{FF2B5EF4-FFF2-40B4-BE49-F238E27FC236}">
-                <a16:creationId xmlns:a16="http://schemas.microsoft.com/office/drawing/2014/main" xmlns="" id="{2C741890-DAC4-4021-98F0-B480078668DE}"/>
+                <a16:creationId xmlns:a16="http://schemas.microsoft.com/office/drawing/2014/main" id="{2C741890-DAC4-4021-98F0-B480078668DE}"/>
               </a:ext>
             </a:extLst>
           </p:cNvPr>
@@ -4562,11 +4831,15 @@
           </a:bodyPr>
           <a:lstStyle/>
           <a:p>
-            <a:r>
-              <a:rPr lang="en-US" dirty="0" smtClean="0"/>
+            <a:pPr algn="ctr"/>
+            <a:r>
+              <a:rPr lang="en-US" dirty="0">
+                <a:solidFill>
+                  <a:srgbClr val="FF0000"/>
+                </a:solidFill>
+              </a:rPr>
               <a:t>#17 Intermediate Intervals</a:t>
             </a:r>
-            <a:endParaRPr lang="en-US" dirty="0"/>
           </a:p>
         </p:txBody>
       </p:sp>
@@ -4575,7 +4848,7 @@
           <p:cNvPr id="3" name="Content Placeholder 2">
             <a:extLst>
               <a:ext uri="{FF2B5EF4-FFF2-40B4-BE49-F238E27FC236}">
-                <a16:creationId xmlns:a16="http://schemas.microsoft.com/office/drawing/2014/main" xmlns="" id="{CB273D54-0A4C-4467-A5EE-1D2D0731561F}"/>
+                <a16:creationId xmlns:a16="http://schemas.microsoft.com/office/drawing/2014/main" id="{CB273D54-0A4C-4467-A5EE-1D2D0731561F}"/>
               </a:ext>
             </a:extLst>
           </p:cNvPr>
@@ -4591,10 +4864,76 @@
           <a:bodyPr/>
           <a:lstStyle/>
           <a:p>
-            <a:endParaRPr lang="en-US" dirty="0"/>
-          </a:p>
-        </p:txBody>
-      </p:sp>
+            <a:pPr marL="0" indent="0">
+              <a:buNone/>
+            </a:pPr>
+            <a:r>
+              <a:rPr lang="en-US" dirty="0"/>
+              <a:t> </a:t>
+            </a:r>
+          </a:p>
+        </p:txBody>
+      </p:sp>
+      <p:pic>
+        <p:nvPicPr>
+          <p:cNvPr id="4" name="Picture 3">
+            <a:extLst>
+              <a:ext uri="{FF2B5EF4-FFF2-40B4-BE49-F238E27FC236}">
+                <a16:creationId xmlns:a16="http://schemas.microsoft.com/office/drawing/2014/main" id="{8598EF72-839C-4BA9-8782-B37AA9345D1D}"/>
+              </a:ext>
+            </a:extLst>
+          </p:cNvPr>
+          <p:cNvPicPr>
+            <a:picLocks noChangeAspect="1"/>
+          </p:cNvPicPr>
+          <p:nvPr/>
+        </p:nvPicPr>
+        <p:blipFill>
+          <a:blip r:embed="rId2"/>
+          <a:stretch>
+            <a:fillRect/>
+          </a:stretch>
+        </p:blipFill>
+        <p:spPr>
+          <a:xfrm>
+            <a:off x="838200" y="1926420"/>
+            <a:ext cx="5471283" cy="4069896"/>
+          </a:xfrm>
+          <a:prstGeom prst="rect">
+            <a:avLst/>
+          </a:prstGeom>
+        </p:spPr>
+      </p:pic>
+      <p:pic>
+        <p:nvPicPr>
+          <p:cNvPr id="5" name="Picture 4">
+            <a:extLst>
+              <a:ext uri="{FF2B5EF4-FFF2-40B4-BE49-F238E27FC236}">
+                <a16:creationId xmlns:a16="http://schemas.microsoft.com/office/drawing/2014/main" id="{5057B8D3-76C2-4A31-92EA-42E045B772B8}"/>
+              </a:ext>
+            </a:extLst>
+          </p:cNvPr>
+          <p:cNvPicPr>
+            <a:picLocks noChangeAspect="1"/>
+          </p:cNvPicPr>
+          <p:nvPr/>
+        </p:nvPicPr>
+        <p:blipFill>
+          <a:blip r:embed="rId3"/>
+          <a:stretch>
+            <a:fillRect/>
+          </a:stretch>
+        </p:blipFill>
+        <p:spPr>
+          <a:xfrm>
+            <a:off x="6294664" y="1926420"/>
+            <a:ext cx="4848174" cy="4069896"/>
+          </a:xfrm>
+          <a:prstGeom prst="rect">
+            <a:avLst/>
+          </a:prstGeom>
+        </p:spPr>
+      </p:pic>
     </p:spTree>
     <p:extLst>
       <p:ext uri="{BB962C8B-B14F-4D97-AF65-F5344CB8AC3E}">
@@ -4642,7 +4981,7 @@
           <p:cNvPr id="2" name="Title 1">
             <a:extLst>
               <a:ext uri="{FF2B5EF4-FFF2-40B4-BE49-F238E27FC236}">
-                <a16:creationId xmlns:a16="http://schemas.microsoft.com/office/drawing/2014/main" xmlns="" id="{2C741890-DAC4-4021-98F0-B480078668DE}"/>
+                <a16:creationId xmlns:a16="http://schemas.microsoft.com/office/drawing/2014/main" id="{2C741890-DAC4-4021-98F0-B480078668DE}"/>
               </a:ext>
             </a:extLst>
           </p:cNvPr>
@@ -4660,11 +4999,15 @@
           </a:bodyPr>
           <a:lstStyle/>
           <a:p>
-            <a:r>
-              <a:rPr lang="en-US" dirty="0" smtClean="0"/>
+            <a:pPr algn="ctr"/>
+            <a:r>
+              <a:rPr lang="en-US" dirty="0">
+                <a:solidFill>
+                  <a:srgbClr val="FF0000"/>
+                </a:solidFill>
+              </a:rPr>
               <a:t>#18 Advanced Intervals</a:t>
             </a:r>
-            <a:endParaRPr lang="en-US" dirty="0"/>
           </a:p>
         </p:txBody>
       </p:sp>
@@ -4673,7 +5016,7 @@
           <p:cNvPr id="3" name="Content Placeholder 2">
             <a:extLst>
               <a:ext uri="{FF2B5EF4-FFF2-40B4-BE49-F238E27FC236}">
-                <a16:creationId xmlns:a16="http://schemas.microsoft.com/office/drawing/2014/main" xmlns="" id="{CB273D54-0A4C-4467-A5EE-1D2D0731561F}"/>
+                <a16:creationId xmlns:a16="http://schemas.microsoft.com/office/drawing/2014/main" id="{CB273D54-0A4C-4467-A5EE-1D2D0731561F}"/>
               </a:ext>
             </a:extLst>
           </p:cNvPr>
@@ -4689,10 +5032,46 @@
           <a:bodyPr/>
           <a:lstStyle/>
           <a:p>
-            <a:endParaRPr lang="en-US" dirty="0"/>
-          </a:p>
-        </p:txBody>
-      </p:sp>
+            <a:pPr marL="0" indent="0">
+              <a:buNone/>
+            </a:pPr>
+            <a:r>
+              <a:rPr lang="en-US" dirty="0"/>
+              <a:t> </a:t>
+            </a:r>
+          </a:p>
+        </p:txBody>
+      </p:sp>
+      <p:pic>
+        <p:nvPicPr>
+          <p:cNvPr id="4" name="Picture 3">
+            <a:extLst>
+              <a:ext uri="{FF2B5EF4-FFF2-40B4-BE49-F238E27FC236}">
+                <a16:creationId xmlns:a16="http://schemas.microsoft.com/office/drawing/2014/main" id="{07BF708C-EC05-4D97-B2E1-78C6EAD470DF}"/>
+              </a:ext>
+            </a:extLst>
+          </p:cNvPr>
+          <p:cNvPicPr>
+            <a:picLocks noChangeAspect="1"/>
+          </p:cNvPicPr>
+          <p:nvPr/>
+        </p:nvPicPr>
+        <p:blipFill>
+          <a:blip r:embed="rId2"/>
+          <a:stretch>
+            <a:fillRect/>
+          </a:stretch>
+        </p:blipFill>
+        <p:spPr>
+          <a:xfrm>
+            <a:off x="2486705" y="3016703"/>
+            <a:ext cx="7305675" cy="1695450"/>
+          </a:xfrm>
+          <a:prstGeom prst="rect">
+            <a:avLst/>
+          </a:prstGeom>
+        </p:spPr>
+      </p:pic>
     </p:spTree>
     <p:extLst>
       <p:ext uri="{BB962C8B-B14F-4D97-AF65-F5344CB8AC3E}">
@@ -4740,7 +5119,7 @@
           <p:cNvPr id="2" name="Title 1">
             <a:extLst>
               <a:ext uri="{FF2B5EF4-FFF2-40B4-BE49-F238E27FC236}">
-                <a16:creationId xmlns:a16="http://schemas.microsoft.com/office/drawing/2014/main" xmlns="" id="{2C741890-DAC4-4021-98F0-B480078668DE}"/>
+                <a16:creationId xmlns:a16="http://schemas.microsoft.com/office/drawing/2014/main" id="{2C741890-DAC4-4021-98F0-B480078668DE}"/>
               </a:ext>
             </a:extLst>
           </p:cNvPr>
@@ -4758,11 +5137,15 @@
           </a:bodyPr>
           <a:lstStyle/>
           <a:p>
-            <a:r>
-              <a:rPr lang="en-US" dirty="0" smtClean="0"/>
+            <a:pPr algn="ctr"/>
+            <a:r>
+              <a:rPr lang="en-US" dirty="0">
+                <a:solidFill>
+                  <a:srgbClr val="FF0000"/>
+                </a:solidFill>
+              </a:rPr>
               <a:t>#19 Major and Minor Triads</a:t>
             </a:r>
-            <a:endParaRPr lang="en-US" dirty="0"/>
           </a:p>
         </p:txBody>
       </p:sp>
@@ -4771,7 +5154,7 @@
           <p:cNvPr id="3" name="Content Placeholder 2">
             <a:extLst>
               <a:ext uri="{FF2B5EF4-FFF2-40B4-BE49-F238E27FC236}">
-                <a16:creationId xmlns:a16="http://schemas.microsoft.com/office/drawing/2014/main" xmlns="" id="{CB273D54-0A4C-4467-A5EE-1D2D0731561F}"/>
+                <a16:creationId xmlns:a16="http://schemas.microsoft.com/office/drawing/2014/main" id="{CB273D54-0A4C-4467-A5EE-1D2D0731561F}"/>
               </a:ext>
             </a:extLst>
           </p:cNvPr>
@@ -4787,10 +5170,76 @@
           <a:bodyPr/>
           <a:lstStyle/>
           <a:p>
-            <a:endParaRPr lang="en-US" dirty="0"/>
-          </a:p>
-        </p:txBody>
-      </p:sp>
+            <a:pPr marL="0" indent="0">
+              <a:buNone/>
+            </a:pPr>
+            <a:r>
+              <a:rPr lang="en-US" dirty="0"/>
+              <a:t> </a:t>
+            </a:r>
+          </a:p>
+        </p:txBody>
+      </p:sp>
+      <p:pic>
+        <p:nvPicPr>
+          <p:cNvPr id="4" name="Picture 3">
+            <a:extLst>
+              <a:ext uri="{FF2B5EF4-FFF2-40B4-BE49-F238E27FC236}">
+                <a16:creationId xmlns:a16="http://schemas.microsoft.com/office/drawing/2014/main" id="{939F2314-94E1-4158-AC8C-B886484CB4C5}"/>
+              </a:ext>
+            </a:extLst>
+          </p:cNvPr>
+          <p:cNvPicPr>
+            <a:picLocks noChangeAspect="1"/>
+          </p:cNvPicPr>
+          <p:nvPr/>
+        </p:nvPicPr>
+        <p:blipFill>
+          <a:blip r:embed="rId2"/>
+          <a:stretch>
+            <a:fillRect/>
+          </a:stretch>
+        </p:blipFill>
+        <p:spPr>
+          <a:xfrm>
+            <a:off x="883269" y="2401250"/>
+            <a:ext cx="5445463" cy="3129109"/>
+          </a:xfrm>
+          <a:prstGeom prst="rect">
+            <a:avLst/>
+          </a:prstGeom>
+        </p:spPr>
+      </p:pic>
+      <p:pic>
+        <p:nvPicPr>
+          <p:cNvPr id="5" name="Picture 4">
+            <a:extLst>
+              <a:ext uri="{FF2B5EF4-FFF2-40B4-BE49-F238E27FC236}">
+                <a16:creationId xmlns:a16="http://schemas.microsoft.com/office/drawing/2014/main" id="{CF64242A-1BDD-421D-84C8-F5F84DCF3CAC}"/>
+              </a:ext>
+            </a:extLst>
+          </p:cNvPr>
+          <p:cNvPicPr>
+            <a:picLocks noChangeAspect="1"/>
+          </p:cNvPicPr>
+          <p:nvPr/>
+        </p:nvPicPr>
+        <p:blipFill>
+          <a:blip r:embed="rId3"/>
+          <a:stretch>
+            <a:fillRect/>
+          </a:stretch>
+        </p:blipFill>
+        <p:spPr>
+          <a:xfrm>
+            <a:off x="6405119" y="2401250"/>
+            <a:ext cx="4872293" cy="3129109"/>
+          </a:xfrm>
+          <a:prstGeom prst="rect">
+            <a:avLst/>
+          </a:prstGeom>
+        </p:spPr>
+      </p:pic>
     </p:spTree>
     <p:extLst>
       <p:ext uri="{BB962C8B-B14F-4D97-AF65-F5344CB8AC3E}">
@@ -4838,7 +5287,7 @@
           <p:cNvPr id="2" name="Title 1">
             <a:extLst>
               <a:ext uri="{FF2B5EF4-FFF2-40B4-BE49-F238E27FC236}">
-                <a16:creationId xmlns:a16="http://schemas.microsoft.com/office/drawing/2014/main" xmlns="" id="{2C741890-DAC4-4021-98F0-B480078668DE}"/>
+                <a16:creationId xmlns:a16="http://schemas.microsoft.com/office/drawing/2014/main" id="{2C741890-DAC4-4021-98F0-B480078668DE}"/>
               </a:ext>
             </a:extLst>
           </p:cNvPr>
@@ -4856,11 +5305,15 @@
           </a:bodyPr>
           <a:lstStyle/>
           <a:p>
-            <a:r>
-              <a:rPr lang="en-US" dirty="0" smtClean="0"/>
+            <a:pPr algn="ctr"/>
+            <a:r>
+              <a:rPr lang="en-US" dirty="0">
+                <a:solidFill>
+                  <a:srgbClr val="FF0000"/>
+                </a:solidFill>
+              </a:rPr>
               <a:t>#20 Scale Degrees</a:t>
             </a:r>
-            <a:endParaRPr lang="en-US" dirty="0"/>
           </a:p>
         </p:txBody>
       </p:sp>
@@ -4869,7 +5322,7 @@
           <p:cNvPr id="3" name="Content Placeholder 2">
             <a:extLst>
               <a:ext uri="{FF2B5EF4-FFF2-40B4-BE49-F238E27FC236}">
-                <a16:creationId xmlns:a16="http://schemas.microsoft.com/office/drawing/2014/main" xmlns="" id="{CB273D54-0A4C-4467-A5EE-1D2D0731561F}"/>
+                <a16:creationId xmlns:a16="http://schemas.microsoft.com/office/drawing/2014/main" id="{CB273D54-0A4C-4467-A5EE-1D2D0731561F}"/>
               </a:ext>
             </a:extLst>
           </p:cNvPr>
@@ -4885,10 +5338,46 @@
           <a:bodyPr/>
           <a:lstStyle/>
           <a:p>
-            <a:endParaRPr lang="en-US" dirty="0"/>
-          </a:p>
-        </p:txBody>
-      </p:sp>
+            <a:pPr marL="0" indent="0">
+              <a:buNone/>
+            </a:pPr>
+            <a:r>
+              <a:rPr lang="en-US" dirty="0"/>
+              <a:t> </a:t>
+            </a:r>
+          </a:p>
+        </p:txBody>
+      </p:sp>
+      <p:pic>
+        <p:nvPicPr>
+          <p:cNvPr id="4" name="Picture 3">
+            <a:extLst>
+              <a:ext uri="{FF2B5EF4-FFF2-40B4-BE49-F238E27FC236}">
+                <a16:creationId xmlns:a16="http://schemas.microsoft.com/office/drawing/2014/main" id="{F0FA29F1-68CB-465E-B9DD-984065901AE3}"/>
+              </a:ext>
+            </a:extLst>
+          </p:cNvPr>
+          <p:cNvPicPr>
+            <a:picLocks noChangeAspect="1"/>
+          </p:cNvPicPr>
+          <p:nvPr/>
+        </p:nvPicPr>
+        <p:blipFill>
+          <a:blip r:embed="rId2"/>
+          <a:stretch>
+            <a:fillRect/>
+          </a:stretch>
+        </p:blipFill>
+        <p:spPr>
+          <a:xfrm>
+            <a:off x="2684834" y="1825625"/>
+            <a:ext cx="7219848" cy="4301721"/>
+          </a:xfrm>
+          <a:prstGeom prst="rect">
+            <a:avLst/>
+          </a:prstGeom>
+        </p:spPr>
+      </p:pic>
     </p:spTree>
     <p:extLst>
       <p:ext uri="{BB962C8B-B14F-4D97-AF65-F5344CB8AC3E}">
@@ -4936,7 +5425,7 @@
           <p:cNvPr id="2" name="Title 1">
             <a:extLst>
               <a:ext uri="{FF2B5EF4-FFF2-40B4-BE49-F238E27FC236}">
-                <a16:creationId xmlns:a16="http://schemas.microsoft.com/office/drawing/2014/main" xmlns="" id="{AFEE7B5D-5A35-4178-9D1F-7545DA394B57}"/>
+                <a16:creationId xmlns:a16="http://schemas.microsoft.com/office/drawing/2014/main" id="{54FC5895-BDF3-4345-A394-11D4FC8C3F46}"/>
               </a:ext>
             </a:extLst>
           </p:cNvPr>
@@ -4952,8 +5441,251 @@
           <a:bodyPr/>
           <a:lstStyle/>
           <a:p>
+            <a:r>
+              <a:rPr lang="en-US" dirty="0"/>
+              <a:t>Practice</a:t>
+            </a:r>
+          </a:p>
+        </p:txBody>
+      </p:sp>
+      <p:sp>
+        <p:nvSpPr>
+          <p:cNvPr id="3" name="Content Placeholder 2">
+            <a:extLst>
+              <a:ext uri="{FF2B5EF4-FFF2-40B4-BE49-F238E27FC236}">
+                <a16:creationId xmlns:a16="http://schemas.microsoft.com/office/drawing/2014/main" id="{AE89BAE6-3694-41C6-B273-76B554E67A4B}"/>
+              </a:ext>
+            </a:extLst>
+          </p:cNvPr>
+          <p:cNvSpPr>
+            <a:spLocks noGrp="1"/>
+          </p:cNvSpPr>
+          <p:nvPr>
+            <p:ph idx="1"/>
+          </p:nvPr>
+        </p:nvSpPr>
+        <p:spPr/>
+        <p:txBody>
+          <a:bodyPr/>
+          <a:lstStyle/>
+          <a:p>
+            <a:r>
+              <a:rPr lang="en-US" dirty="0"/>
+              <a:t>Watch all 15 videos</a:t>
+            </a:r>
+          </a:p>
+          <a:p>
+            <a:r>
+              <a:rPr lang="en-US" dirty="0"/>
+              <a:t>Repeat the lessons many times; especially the ones you don’t understand.</a:t>
+            </a:r>
+          </a:p>
+          <a:p>
+            <a:r>
+              <a:rPr lang="en-US" dirty="0"/>
+              <a:t>Write them out. Practice the lessons Andrew provides.</a:t>
+            </a:r>
+          </a:p>
+        </p:txBody>
+      </p:sp>
+    </p:spTree>
+    <p:extLst>
+      <p:ext uri="{BB962C8B-B14F-4D97-AF65-F5344CB8AC3E}">
+        <p14:creationId xmlns:p14="http://schemas.microsoft.com/office/powerpoint/2010/main" val="1954546494"/>
+      </p:ext>
+    </p:extLst>
+  </p:cSld>
+  <p:clrMapOvr>
+    <a:masterClrMapping/>
+  </p:clrMapOvr>
+  <mc:AlternateContent xmlns:mc="http://schemas.openxmlformats.org/markup-compatibility/2006" xmlns:p14="http://schemas.microsoft.com/office/powerpoint/2010/main">
+    <mc:Choice Requires="p14">
+      <p:transition spd="med" p14:dur="700">
+        <p:fade/>
+      </p:transition>
+    </mc:Choice>
+    <mc:Fallback xmlns="">
+      <p:transition spd="med">
+        <p:fade/>
+      </p:transition>
+    </mc:Fallback>
+  </mc:AlternateContent>
+</p:sld>
+</file>
+
+<file path=ppt/slides/slide19.xml><?xml version="1.0" encoding="utf-8"?>
+<p:sld xmlns:a="http://schemas.openxmlformats.org/drawingml/2006/main" xmlns:r="http://schemas.openxmlformats.org/officeDocument/2006/relationships" xmlns:p="http://schemas.openxmlformats.org/presentationml/2006/main">
+  <p:cSld>
+    <p:spTree>
+      <p:nvGrpSpPr>
+        <p:cNvPr id="1" name=""/>
+        <p:cNvGrpSpPr/>
+        <p:nvPr/>
+      </p:nvGrpSpPr>
+      <p:grpSpPr>
+        <a:xfrm>
+          <a:off x="0" y="0"/>
+          <a:ext cx="0" cy="0"/>
+          <a:chOff x="0" y="0"/>
+          <a:chExt cx="0" cy="0"/>
+        </a:xfrm>
+      </p:grpSpPr>
+      <p:sp>
+        <p:nvSpPr>
+          <p:cNvPr id="2" name="Title 1">
+            <a:extLst>
+              <a:ext uri="{FF2B5EF4-FFF2-40B4-BE49-F238E27FC236}">
+                <a16:creationId xmlns:a16="http://schemas.microsoft.com/office/drawing/2014/main" id="{5FC422D0-EEEE-410F-819B-CBE9B3BDCF47}"/>
+              </a:ext>
+            </a:extLst>
+          </p:cNvPr>
+          <p:cNvSpPr>
+            <a:spLocks noGrp="1"/>
+          </p:cNvSpPr>
+          <p:nvPr>
+            <p:ph type="title"/>
+          </p:nvPr>
+        </p:nvSpPr>
+        <p:spPr/>
+        <p:txBody>
+          <a:bodyPr/>
+          <a:lstStyle/>
+          <a:p>
+            <a:r>
+              <a:rPr lang="en-US" dirty="0"/>
+              <a:t>Resources</a:t>
+            </a:r>
+          </a:p>
+        </p:txBody>
+      </p:sp>
+      <p:sp>
+        <p:nvSpPr>
+          <p:cNvPr id="4" name="Content Placeholder 3">
+            <a:extLst>
+              <a:ext uri="{FF2B5EF4-FFF2-40B4-BE49-F238E27FC236}">
+                <a16:creationId xmlns:a16="http://schemas.microsoft.com/office/drawing/2014/main" id="{6382356C-9CB7-4AA0-8498-CA10CB752DD3}"/>
+              </a:ext>
+            </a:extLst>
+          </p:cNvPr>
+          <p:cNvSpPr>
+            <a:spLocks noGrp="1"/>
+          </p:cNvSpPr>
+          <p:nvPr>
+            <p:ph sz="half" idx="1"/>
+          </p:nvPr>
+        </p:nvSpPr>
+        <p:spPr>
+          <a:xfrm>
+            <a:off x="838200" y="1825625"/>
+            <a:ext cx="10515600" cy="4351338"/>
+          </a:xfrm>
+        </p:spPr>
+        <p:txBody>
+          <a:bodyPr/>
+          <a:lstStyle/>
+          <a:p>
+            <a:r>
+              <a:rPr lang="en-US" dirty="0" err="1">
+                <a:hlinkClick r:id="rId2"/>
+              </a:rPr>
+              <a:t>Lypur</a:t>
+            </a:r>
+            <a:r>
+              <a:rPr lang="en-US" dirty="0">
+                <a:hlinkClick r:id="rId2"/>
+              </a:rPr>
+              <a:t> – Andrew </a:t>
+            </a:r>
+            <a:r>
+              <a:rPr lang="en-US" dirty="0" err="1">
+                <a:hlinkClick r:id="rId2"/>
+              </a:rPr>
+              <a:t>Furmanczyk</a:t>
+            </a:r>
             <a:endParaRPr lang="en-US" dirty="0"/>
           </a:p>
+          <a:p>
+            <a:r>
+              <a:rPr lang="en-US" dirty="0">
+                <a:hlinkClick r:id="rId3"/>
+              </a:rPr>
+              <a:t>Notes and Slides</a:t>
+            </a:r>
+            <a:endParaRPr lang="en-US" dirty="0"/>
+          </a:p>
+          <a:p>
+            <a:endParaRPr lang="en-US" dirty="0"/>
+          </a:p>
+        </p:txBody>
+      </p:sp>
+    </p:spTree>
+    <p:extLst>
+      <p:ext uri="{BB962C8B-B14F-4D97-AF65-F5344CB8AC3E}">
+        <p14:creationId xmlns:p14="http://schemas.microsoft.com/office/powerpoint/2010/main" val="3349683684"/>
+      </p:ext>
+    </p:extLst>
+  </p:cSld>
+  <p:clrMapOvr>
+    <a:masterClrMapping/>
+  </p:clrMapOvr>
+  <mc:AlternateContent xmlns:mc="http://schemas.openxmlformats.org/markup-compatibility/2006" xmlns:p14="http://schemas.microsoft.com/office/powerpoint/2010/main">
+    <mc:Choice Requires="p14">
+      <p:transition spd="med" p14:dur="700">
+        <p:fade/>
+      </p:transition>
+    </mc:Choice>
+    <mc:Fallback xmlns="">
+      <p:transition spd="med">
+        <p:fade/>
+      </p:transition>
+    </mc:Fallback>
+  </mc:AlternateContent>
+</p:sld>
+</file>
+
+<file path=ppt/slides/slide2.xml><?xml version="1.0" encoding="utf-8"?>
+<p:sld xmlns:a="http://schemas.openxmlformats.org/drawingml/2006/main" xmlns:r="http://schemas.openxmlformats.org/officeDocument/2006/relationships" xmlns:p="http://schemas.openxmlformats.org/presentationml/2006/main">
+  <p:cSld>
+    <p:spTree>
+      <p:nvGrpSpPr>
+        <p:cNvPr id="1" name=""/>
+        <p:cNvGrpSpPr/>
+        <p:nvPr/>
+      </p:nvGrpSpPr>
+      <p:grpSpPr>
+        <a:xfrm>
+          <a:off x="0" y="0"/>
+          <a:ext cx="0" cy="0"/>
+          <a:chOff x="0" y="0"/>
+          <a:chExt cx="0" cy="0"/>
+        </a:xfrm>
+      </p:grpSpPr>
+      <p:sp>
+        <p:nvSpPr>
+          <p:cNvPr id="2" name="Title 1">
+            <a:extLst>
+              <a:ext uri="{FF2B5EF4-FFF2-40B4-BE49-F238E27FC236}">
+                <a16:creationId xmlns:a16="http://schemas.microsoft.com/office/drawing/2014/main" id="{31D277A9-A8B5-41F3-B406-DD571DF66997}"/>
+              </a:ext>
+            </a:extLst>
+          </p:cNvPr>
+          <p:cNvSpPr>
+            <a:spLocks noGrp="1"/>
+          </p:cNvSpPr>
+          <p:nvPr>
+            <p:ph type="title"/>
+          </p:nvPr>
+        </p:nvSpPr>
+        <p:spPr/>
+        <p:txBody>
+          <a:bodyPr/>
+          <a:lstStyle/>
+          <a:p>
+            <a:r>
+              <a:rPr lang="en-US" dirty="0"/>
+              <a:t>What We’ll Cover</a:t>
+            </a:r>
+          </a:p>
         </p:txBody>
       </p:sp>
       <p:sp>
@@ -4961,7 +5693,538 @@
           <p:cNvPr id="3" name="Content Placeholder 2">
             <a:extLst>
               <a:ext uri="{FF2B5EF4-FFF2-40B4-BE49-F238E27FC236}">
-                <a16:creationId xmlns:a16="http://schemas.microsoft.com/office/drawing/2014/main" xmlns="" id="{3A2A661E-B43F-4FF9-84B3-641D55A923A6}"/>
+                <a16:creationId xmlns:a16="http://schemas.microsoft.com/office/drawing/2014/main" id="{5FB5E2F7-FF6E-498E-AD36-06D842BAF4C5}"/>
+              </a:ext>
+            </a:extLst>
+          </p:cNvPr>
+          <p:cNvSpPr>
+            <a:spLocks noGrp="1"/>
+          </p:cNvSpPr>
+          <p:nvPr>
+            <p:ph idx="1"/>
+          </p:nvPr>
+        </p:nvSpPr>
+        <p:spPr/>
+        <p:txBody>
+          <a:bodyPr numCol="2">
+            <a:normAutofit fontScale="25000" lnSpcReduction="20000"/>
+          </a:bodyPr>
+          <a:lstStyle/>
+          <a:p>
+            <a:pPr marL="0" indent="0" algn="ctr">
+              <a:lnSpc>
+                <a:spcPct val="80000"/>
+              </a:lnSpc>
+              <a:buNone/>
+            </a:pPr>
+            <a:endParaRPr lang="en-US" altLang="en-US" sz="8600" dirty="0"/>
+          </a:p>
+          <a:p>
+            <a:pPr marL="0" indent="0" algn="ctr">
+              <a:lnSpc>
+                <a:spcPct val="80000"/>
+              </a:lnSpc>
+              <a:buNone/>
+            </a:pPr>
+            <a:endParaRPr lang="en-US" altLang="en-US" sz="8600" dirty="0"/>
+          </a:p>
+          <a:p>
+            <a:pPr marL="0" indent="0" algn="ctr">
+              <a:lnSpc>
+                <a:spcPct val="80000"/>
+              </a:lnSpc>
+              <a:buNone/>
+            </a:pPr>
+            <a:endParaRPr lang="en-US" altLang="en-US" sz="8600" dirty="0"/>
+          </a:p>
+          <a:p>
+            <a:pPr marL="0" indent="0" algn="ctr">
+              <a:lnSpc>
+                <a:spcPct val="80000"/>
+              </a:lnSpc>
+              <a:buNone/>
+            </a:pPr>
+            <a:r>
+              <a:rPr lang="en-US" altLang="en-US" sz="8600" dirty="0"/>
+              <a:t>Check out </a:t>
+            </a:r>
+            <a:r>
+              <a:rPr lang="en-US" sz="8600" dirty="0">
+                <a:hlinkClick r:id="rId2"/>
+              </a:rPr>
+              <a:t> Andrew </a:t>
+            </a:r>
+            <a:r>
+              <a:rPr lang="en-US" sz="8600" dirty="0" err="1">
+                <a:hlinkClick r:id="rId2"/>
+              </a:rPr>
+              <a:t>Furmanczyk</a:t>
+            </a:r>
+            <a:r>
+              <a:rPr lang="en-US" sz="8600" dirty="0"/>
+              <a:t> </a:t>
+            </a:r>
+          </a:p>
+          <a:p>
+            <a:pPr algn="ctr">
+              <a:lnSpc>
+                <a:spcPct val="80000"/>
+              </a:lnSpc>
+            </a:pPr>
+            <a:endParaRPr lang="en-US" sz="8600" dirty="0"/>
+          </a:p>
+          <a:p>
+            <a:pPr algn="ctr">
+              <a:lnSpc>
+                <a:spcPct val="80000"/>
+              </a:lnSpc>
+            </a:pPr>
+            <a:endParaRPr lang="en-US" sz="8600" dirty="0"/>
+          </a:p>
+          <a:p>
+            <a:pPr marL="0" indent="0" algn="ctr">
+              <a:lnSpc>
+                <a:spcPct val="80000"/>
+              </a:lnSpc>
+              <a:buNone/>
+            </a:pPr>
+            <a:r>
+              <a:rPr lang="en-US" sz="8600" dirty="0"/>
+              <a:t>Music Theory lessons 01 – 50</a:t>
+            </a:r>
+          </a:p>
+          <a:p>
+            <a:pPr algn="ctr">
+              <a:lnSpc>
+                <a:spcPct val="80000"/>
+              </a:lnSpc>
+            </a:pPr>
+            <a:endParaRPr lang="en-US" altLang="en-US" sz="5900" dirty="0"/>
+          </a:p>
+          <a:p>
+            <a:pPr algn="ctr">
+              <a:lnSpc>
+                <a:spcPct val="80000"/>
+              </a:lnSpc>
+            </a:pPr>
+            <a:endParaRPr lang="en-US" altLang="en-US" sz="5900" dirty="0"/>
+          </a:p>
+          <a:p>
+            <a:pPr algn="ctr">
+              <a:lnSpc>
+                <a:spcPct val="80000"/>
+              </a:lnSpc>
+            </a:pPr>
+            <a:endParaRPr lang="en-US" altLang="en-US" sz="5900" dirty="0"/>
+          </a:p>
+          <a:p>
+            <a:pPr marL="0" indent="0" algn="ctr">
+              <a:lnSpc>
+                <a:spcPct val="80000"/>
+              </a:lnSpc>
+              <a:buNone/>
+            </a:pPr>
+            <a:r>
+              <a:rPr lang="en-US" altLang="en-US" sz="8800" dirty="0"/>
+              <a:t>Lesson 1 covered 01-05</a:t>
+            </a:r>
+          </a:p>
+          <a:p>
+            <a:pPr algn="ctr">
+              <a:lnSpc>
+                <a:spcPct val="80000"/>
+              </a:lnSpc>
+            </a:pPr>
+            <a:endParaRPr lang="en-US" altLang="en-US" dirty="0"/>
+          </a:p>
+          <a:p>
+            <a:pPr>
+              <a:lnSpc>
+                <a:spcPct val="80000"/>
+              </a:lnSpc>
+            </a:pPr>
+            <a:endParaRPr lang="en-US" altLang="en-US" dirty="0"/>
+          </a:p>
+          <a:p>
+            <a:pPr>
+              <a:lnSpc>
+                <a:spcPct val="80000"/>
+              </a:lnSpc>
+            </a:pPr>
+            <a:endParaRPr lang="en-US" altLang="en-US" dirty="0"/>
+          </a:p>
+          <a:p>
+            <a:pPr>
+              <a:lnSpc>
+                <a:spcPct val="80000"/>
+              </a:lnSpc>
+            </a:pPr>
+            <a:endParaRPr lang="en-US" altLang="en-US" dirty="0"/>
+          </a:p>
+          <a:p>
+            <a:pPr>
+              <a:lnSpc>
+                <a:spcPct val="80000"/>
+              </a:lnSpc>
+            </a:pPr>
+            <a:endParaRPr lang="en-US" altLang="en-US" dirty="0"/>
+          </a:p>
+          <a:p>
+            <a:pPr>
+              <a:lnSpc>
+                <a:spcPct val="80000"/>
+              </a:lnSpc>
+            </a:pPr>
+            <a:endParaRPr lang="en-US" altLang="en-US" dirty="0"/>
+          </a:p>
+          <a:p>
+            <a:pPr>
+              <a:lnSpc>
+                <a:spcPct val="80000"/>
+              </a:lnSpc>
+            </a:pPr>
+            <a:endParaRPr lang="en-US" altLang="en-US" dirty="0"/>
+          </a:p>
+          <a:p>
+            <a:pPr>
+              <a:lnSpc>
+                <a:spcPct val="80000"/>
+              </a:lnSpc>
+            </a:pPr>
+            <a:endParaRPr lang="en-US" altLang="en-US" dirty="0"/>
+          </a:p>
+          <a:p>
+            <a:pPr>
+              <a:lnSpc>
+                <a:spcPct val="80000"/>
+              </a:lnSpc>
+            </a:pPr>
+            <a:endParaRPr lang="en-US" altLang="en-US" dirty="0"/>
+          </a:p>
+          <a:p>
+            <a:pPr>
+              <a:lnSpc>
+                <a:spcPct val="80000"/>
+              </a:lnSpc>
+            </a:pPr>
+            <a:endParaRPr lang="en-US" altLang="en-US" dirty="0"/>
+          </a:p>
+          <a:p>
+            <a:pPr>
+              <a:lnSpc>
+                <a:spcPct val="80000"/>
+              </a:lnSpc>
+            </a:pPr>
+            <a:endParaRPr lang="en-US" altLang="en-US" dirty="0"/>
+          </a:p>
+          <a:p>
+            <a:pPr>
+              <a:lnSpc>
+                <a:spcPct val="80000"/>
+              </a:lnSpc>
+            </a:pPr>
+            <a:endParaRPr lang="en-US" altLang="en-US" dirty="0"/>
+          </a:p>
+          <a:p>
+            <a:pPr>
+              <a:lnSpc>
+                <a:spcPct val="80000"/>
+              </a:lnSpc>
+            </a:pPr>
+            <a:endParaRPr lang="en-US" altLang="en-US" dirty="0"/>
+          </a:p>
+          <a:p>
+            <a:pPr>
+              <a:lnSpc>
+                <a:spcPct val="80000"/>
+              </a:lnSpc>
+            </a:pPr>
+            <a:endParaRPr lang="en-US" altLang="en-US" dirty="0"/>
+          </a:p>
+          <a:p>
+            <a:pPr>
+              <a:lnSpc>
+                <a:spcPct val="80000"/>
+              </a:lnSpc>
+            </a:pPr>
+            <a:endParaRPr lang="en-US" altLang="en-US" dirty="0"/>
+          </a:p>
+          <a:p>
+            <a:pPr marL="0" indent="0">
+              <a:lnSpc>
+                <a:spcPct val="80000"/>
+              </a:lnSpc>
+              <a:buNone/>
+            </a:pPr>
+            <a:r>
+              <a:rPr lang="en-US" altLang="en-US" sz="7200" dirty="0"/>
+              <a:t>I’ll plan to cover 06…….16 </a:t>
+            </a:r>
+          </a:p>
+          <a:p>
+            <a:pPr marL="0" indent="0">
+              <a:lnSpc>
+                <a:spcPct val="80000"/>
+              </a:lnSpc>
+              <a:buNone/>
+            </a:pPr>
+            <a:endParaRPr lang="en-US" altLang="en-US" sz="7200" dirty="0"/>
+          </a:p>
+          <a:p>
+            <a:pPr lvl="1">
+              <a:lnSpc>
+                <a:spcPct val="80000"/>
+              </a:lnSpc>
+              <a:spcAft>
+                <a:spcPts val="600"/>
+              </a:spcAft>
+            </a:pPr>
+            <a:r>
+              <a:rPr lang="en-US" altLang="en-US" sz="7200" dirty="0"/>
+              <a:t>Dotted Notes and Triplets</a:t>
+            </a:r>
+          </a:p>
+          <a:p>
+            <a:pPr lvl="1">
+              <a:lnSpc>
+                <a:spcPct val="80000"/>
+              </a:lnSpc>
+              <a:spcAft>
+                <a:spcPts val="600"/>
+              </a:spcAft>
+            </a:pPr>
+            <a:r>
+              <a:rPr lang="en-US" altLang="en-US" sz="7200" dirty="0"/>
+              <a:t>Time Signatures, Strong and Weak Beats</a:t>
+            </a:r>
+          </a:p>
+          <a:p>
+            <a:pPr lvl="1">
+              <a:lnSpc>
+                <a:spcPct val="80000"/>
+              </a:lnSpc>
+              <a:spcAft>
+                <a:spcPts val="600"/>
+              </a:spcAft>
+            </a:pPr>
+            <a:r>
+              <a:rPr lang="en-US" altLang="en-US" sz="7200" dirty="0"/>
+              <a:t>Semi Tones &amp; Whole Tones</a:t>
+            </a:r>
+          </a:p>
+          <a:p>
+            <a:pPr lvl="1">
+              <a:lnSpc>
+                <a:spcPct val="80000"/>
+              </a:lnSpc>
+              <a:spcAft>
+                <a:spcPts val="600"/>
+              </a:spcAft>
+            </a:pPr>
+            <a:r>
+              <a:rPr lang="en-US" sz="7200" dirty="0"/>
+              <a:t>Chromatic/Diatonic, Enharmonic Tones</a:t>
+            </a:r>
+          </a:p>
+          <a:p>
+            <a:pPr lvl="1">
+              <a:lnSpc>
+                <a:spcPct val="80000"/>
+              </a:lnSpc>
+              <a:spcAft>
+                <a:spcPts val="600"/>
+              </a:spcAft>
+            </a:pPr>
+            <a:r>
+              <a:rPr lang="en-US" sz="7200" dirty="0"/>
+              <a:t>Major Scale</a:t>
+            </a:r>
+          </a:p>
+          <a:p>
+            <a:pPr lvl="1">
+              <a:lnSpc>
+                <a:spcPct val="80000"/>
+              </a:lnSpc>
+              <a:spcAft>
+                <a:spcPts val="600"/>
+              </a:spcAft>
+            </a:pPr>
+            <a:r>
+              <a:rPr lang="en-US" sz="7200" dirty="0"/>
+              <a:t>Minor Scale (Natural &amp; Harmonic) Melodic + </a:t>
+            </a:r>
+          </a:p>
+          <a:p>
+            <a:pPr marL="457200" lvl="1" indent="0">
+              <a:lnSpc>
+                <a:spcPct val="80000"/>
+              </a:lnSpc>
+              <a:spcAft>
+                <a:spcPts val="600"/>
+              </a:spcAft>
+              <a:buNone/>
+            </a:pPr>
+            <a:r>
+              <a:rPr lang="en-US" sz="7200" dirty="0"/>
+              <a:t>    Relative Minor</a:t>
+            </a:r>
+          </a:p>
+          <a:p>
+            <a:pPr lvl="1">
+              <a:lnSpc>
+                <a:spcPct val="80000"/>
+              </a:lnSpc>
+              <a:spcAft>
+                <a:spcPts val="600"/>
+              </a:spcAft>
+            </a:pPr>
+            <a:r>
+              <a:rPr lang="en-US" sz="7200" dirty="0"/>
+              <a:t>Order of Sharps and Flats + Key Signatures</a:t>
+            </a:r>
+          </a:p>
+          <a:p>
+            <a:pPr lvl="1">
+              <a:lnSpc>
+                <a:spcPct val="80000"/>
+              </a:lnSpc>
+              <a:spcAft>
+                <a:spcPts val="600"/>
+              </a:spcAft>
+            </a:pPr>
+            <a:r>
+              <a:rPr lang="en-US" sz="7200" dirty="0"/>
+              <a:t>Circle of Fifths</a:t>
+            </a:r>
+          </a:p>
+          <a:p>
+            <a:pPr lvl="1">
+              <a:lnSpc>
+                <a:spcPct val="80000"/>
+              </a:lnSpc>
+              <a:spcAft>
+                <a:spcPts val="600"/>
+              </a:spcAft>
+            </a:pPr>
+            <a:r>
+              <a:rPr lang="en-US" sz="7200" dirty="0"/>
+              <a:t>Basic Intervals</a:t>
+            </a:r>
+          </a:p>
+        </p:txBody>
+      </p:sp>
+      <p:sp>
+        <p:nvSpPr>
+          <p:cNvPr id="4" name="Rectangle 3">
+            <a:extLst>
+              <a:ext uri="{FF2B5EF4-FFF2-40B4-BE49-F238E27FC236}">
+                <a16:creationId xmlns:a16="http://schemas.microsoft.com/office/drawing/2014/main" id="{B1B24281-EFBE-4C97-9D85-5455EF803DA7}"/>
+              </a:ext>
+            </a:extLst>
+          </p:cNvPr>
+          <p:cNvSpPr/>
+          <p:nvPr/>
+        </p:nvSpPr>
+        <p:spPr>
+          <a:xfrm>
+            <a:off x="3505200" y="2065866"/>
+            <a:ext cx="5638800" cy="387798"/>
+          </a:xfrm>
+          <a:prstGeom prst="rect">
+            <a:avLst/>
+          </a:prstGeom>
+        </p:spPr>
+        <p:txBody>
+          <a:bodyPr wrap="square">
+            <a:spAutoFit/>
+          </a:bodyPr>
+          <a:lstStyle/>
+          <a:p>
+            <a:pPr>
+              <a:lnSpc>
+                <a:spcPct val="80000"/>
+              </a:lnSpc>
+            </a:pPr>
+            <a:endParaRPr lang="en-US" altLang="en-US" sz="2400" dirty="0"/>
+          </a:p>
+        </p:txBody>
+      </p:sp>
+    </p:spTree>
+    <p:extLst>
+      <p:ext uri="{BB962C8B-B14F-4D97-AF65-F5344CB8AC3E}">
+        <p14:creationId xmlns:p14="http://schemas.microsoft.com/office/powerpoint/2010/main" val="2313695865"/>
+      </p:ext>
+    </p:extLst>
+  </p:cSld>
+  <p:clrMapOvr>
+    <a:masterClrMapping/>
+  </p:clrMapOvr>
+  <mc:AlternateContent xmlns:mc="http://schemas.openxmlformats.org/markup-compatibility/2006" xmlns:p14="http://schemas.microsoft.com/office/powerpoint/2010/main">
+    <mc:Choice Requires="p14">
+      <p:transition spd="med" p14:dur="700">
+        <p:fade/>
+      </p:transition>
+    </mc:Choice>
+    <mc:Fallback xmlns="">
+      <p:transition spd="med">
+        <p:fade/>
+      </p:transition>
+    </mc:Fallback>
+  </mc:AlternateContent>
+</p:sld>
+</file>
+
+<file path=ppt/slides/slide20.xml><?xml version="1.0" encoding="utf-8"?>
+<p:sld xmlns:a="http://schemas.openxmlformats.org/drawingml/2006/main" xmlns:r="http://schemas.openxmlformats.org/officeDocument/2006/relationships" xmlns:p="http://schemas.openxmlformats.org/presentationml/2006/main">
+  <p:cSld>
+    <p:spTree>
+      <p:nvGrpSpPr>
+        <p:cNvPr id="1" name=""/>
+        <p:cNvGrpSpPr/>
+        <p:nvPr/>
+      </p:nvGrpSpPr>
+      <p:grpSpPr>
+        <a:xfrm>
+          <a:off x="0" y="0"/>
+          <a:ext cx="0" cy="0"/>
+          <a:chOff x="0" y="0"/>
+          <a:chExt cx="0" cy="0"/>
+        </a:xfrm>
+      </p:grpSpPr>
+      <p:sp>
+        <p:nvSpPr>
+          <p:cNvPr id="2" name="Title 1">
+            <a:extLst>
+              <a:ext uri="{FF2B5EF4-FFF2-40B4-BE49-F238E27FC236}">
+                <a16:creationId xmlns:a16="http://schemas.microsoft.com/office/drawing/2014/main" id="{AFEE7B5D-5A35-4178-9D1F-7545DA394B57}"/>
+              </a:ext>
+            </a:extLst>
+          </p:cNvPr>
+          <p:cNvSpPr>
+            <a:spLocks noGrp="1"/>
+          </p:cNvSpPr>
+          <p:nvPr>
+            <p:ph type="title"/>
+          </p:nvPr>
+        </p:nvSpPr>
+        <p:spPr/>
+        <p:txBody>
+          <a:bodyPr/>
+          <a:lstStyle/>
+          <a:p>
+            <a:r>
+              <a:rPr lang="en-US" dirty="0"/>
+              <a:t>Legend #1</a:t>
+            </a:r>
+          </a:p>
+        </p:txBody>
+      </p:sp>
+      <p:sp>
+        <p:nvSpPr>
+          <p:cNvPr id="3" name="Content Placeholder 2">
+            <a:extLst>
+              <a:ext uri="{FF2B5EF4-FFF2-40B4-BE49-F238E27FC236}">
+                <a16:creationId xmlns:a16="http://schemas.microsoft.com/office/drawing/2014/main" id="{3A2A661E-B43F-4FF9-84B3-641D55A923A6}"/>
               </a:ext>
             </a:extLst>
           </p:cNvPr>
@@ -4984,10 +6247,6 @@
           </a:bodyPr>
           <a:lstStyle/>
           <a:p>
-            <a:r>
-              <a:rPr lang="en-US" altLang="en-US" dirty="0" smtClean="0"/>
-              <a:t>The.</a:t>
-            </a:r>
             <a:endParaRPr lang="en-US" altLang="en-US" dirty="0"/>
           </a:p>
           <a:p>
@@ -5000,7 +6259,7 @@
           <p:cNvPr id="4" name="Picture 7" descr="musicsummary">
             <a:extLst>
               <a:ext uri="{FF2B5EF4-FFF2-40B4-BE49-F238E27FC236}">
-                <a16:creationId xmlns:a16="http://schemas.microsoft.com/office/drawing/2014/main" xmlns="" id="{C825E783-5B2C-4034-94A5-37CA047E3B9F}"/>
+                <a16:creationId xmlns:a16="http://schemas.microsoft.com/office/drawing/2014/main" id="{C825E783-5B2C-4034-94A5-37CA047E3B9F}"/>
               </a:ext>
             </a:extLst>
           </p:cNvPr>
@@ -5037,7 +6296,7 @@
           <p:cNvPr id="5" name="Picture 6" descr="staff">
             <a:extLst>
               <a:ext uri="{FF2B5EF4-FFF2-40B4-BE49-F238E27FC236}">
-                <a16:creationId xmlns:a16="http://schemas.microsoft.com/office/drawing/2014/main" xmlns="" id="{DBD4D8EA-4650-4B7A-BC60-D8B29CBF95A1}"/>
+                <a16:creationId xmlns:a16="http://schemas.microsoft.com/office/drawing/2014/main" id="{DBD4D8EA-4650-4B7A-BC60-D8B29CBF95A1}"/>
               </a:ext>
             </a:extLst>
           </p:cNvPr>
@@ -5104,7 +6363,7 @@
           <p:cNvPr id="6" name="Picture 7" descr="barline">
             <a:extLst>
               <a:ext uri="{FF2B5EF4-FFF2-40B4-BE49-F238E27FC236}">
-                <a16:creationId xmlns:a16="http://schemas.microsoft.com/office/drawing/2014/main" xmlns="" id="{627A44B2-98BF-41A6-8BEB-1D39B987A68F}"/>
+                <a16:creationId xmlns:a16="http://schemas.microsoft.com/office/drawing/2014/main" id="{627A44B2-98BF-41A6-8BEB-1D39B987A68F}"/>
               </a:ext>
             </a:extLst>
           </p:cNvPr>
@@ -5171,7 +6430,7 @@
           <p:cNvPr id="7" name="Picture 10" descr="doublebar">
             <a:extLst>
               <a:ext uri="{FF2B5EF4-FFF2-40B4-BE49-F238E27FC236}">
-                <a16:creationId xmlns:a16="http://schemas.microsoft.com/office/drawing/2014/main" xmlns="" id="{49E24DD2-908F-4111-89F9-7D473D7E470A}"/>
+                <a16:creationId xmlns:a16="http://schemas.microsoft.com/office/drawing/2014/main" id="{49E24DD2-908F-4111-89F9-7D473D7E470A}"/>
               </a:ext>
             </a:extLst>
           </p:cNvPr>
@@ -5218,7 +6477,7 @@
           <p:cNvPr id="8" name="Picture 9" descr="ledgerlines">
             <a:extLst>
               <a:ext uri="{FF2B5EF4-FFF2-40B4-BE49-F238E27FC236}">
-                <a16:creationId xmlns:a16="http://schemas.microsoft.com/office/drawing/2014/main" xmlns="" id="{D84B6FA7-A27A-44B5-B324-0F9C8016555F}"/>
+                <a16:creationId xmlns:a16="http://schemas.microsoft.com/office/drawing/2014/main" id="{D84B6FA7-A27A-44B5-B324-0F9C8016555F}"/>
               </a:ext>
             </a:extLst>
           </p:cNvPr>
@@ -5258,6 +6517,221 @@
               </a14:hiddenFill>
             </a:ext>
           </a:extLst>
+        </p:spPr>
+      </p:pic>
+      <p:pic>
+        <p:nvPicPr>
+          <p:cNvPr id="9" name="Content Placeholder 3">
+            <a:extLst>
+              <a:ext uri="{FF2B5EF4-FFF2-40B4-BE49-F238E27FC236}">
+                <a16:creationId xmlns:a16="http://schemas.microsoft.com/office/drawing/2014/main" id="{8B9A85A8-0EA1-4614-9906-9294B395E1A3}"/>
+              </a:ext>
+            </a:extLst>
+          </p:cNvPr>
+          <p:cNvPicPr>
+            <a:picLocks noChangeAspect="1"/>
+          </p:cNvPicPr>
+          <p:nvPr/>
+        </p:nvPicPr>
+        <p:blipFill>
+          <a:blip r:embed="rId7">
+            <a:extLst>
+              <a:ext uri="{28A0092B-C50C-407E-A947-70E740481C1C}">
+                <a14:useLocalDpi xmlns:a14="http://schemas.microsoft.com/office/drawing/2010/main" val="0"/>
+              </a:ext>
+            </a:extLst>
+          </a:blip>
+          <a:stretch>
+            <a:fillRect/>
+          </a:stretch>
+        </p:blipFill>
+        <p:spPr>
+          <a:xfrm>
+            <a:off x="8096904" y="269344"/>
+            <a:ext cx="1681566" cy="1664231"/>
+          </a:xfrm>
+          <a:prstGeom prst="rect">
+            <a:avLst/>
+          </a:prstGeom>
+          <a:solidFill>
+            <a:schemeClr val="accent3">
+              <a:lumMod val="20000"/>
+              <a:lumOff val="80000"/>
+              <a:alpha val="80000"/>
+            </a:schemeClr>
+          </a:solidFill>
+        </p:spPr>
+      </p:pic>
+      <p:pic>
+        <p:nvPicPr>
+          <p:cNvPr id="10" name="Content Placeholder 3">
+            <a:extLst>
+              <a:ext uri="{FF2B5EF4-FFF2-40B4-BE49-F238E27FC236}">
+                <a16:creationId xmlns:a16="http://schemas.microsoft.com/office/drawing/2014/main" id="{7D26ECE9-0F00-4444-B6FE-92A13D562028}"/>
+              </a:ext>
+            </a:extLst>
+          </p:cNvPr>
+          <p:cNvPicPr>
+            <a:picLocks noChangeAspect="1"/>
+          </p:cNvPicPr>
+          <p:nvPr/>
+        </p:nvPicPr>
+        <p:blipFill>
+          <a:blip r:embed="rId8">
+            <a:extLst>
+              <a:ext uri="{28A0092B-C50C-407E-A947-70E740481C1C}">
+                <a14:useLocalDpi xmlns:a14="http://schemas.microsoft.com/office/drawing/2010/main" val="0"/>
+              </a:ext>
+            </a:extLst>
+          </a:blip>
+          <a:stretch>
+            <a:fillRect/>
+          </a:stretch>
+        </p:blipFill>
+        <p:spPr>
+          <a:xfrm>
+            <a:off x="1197051" y="2326043"/>
+            <a:ext cx="1850363" cy="1664232"/>
+          </a:xfrm>
+          <a:prstGeom prst="rect">
+            <a:avLst/>
+          </a:prstGeom>
+          <a:solidFill>
+            <a:schemeClr val="accent3">
+              <a:lumMod val="20000"/>
+              <a:lumOff val="80000"/>
+              <a:alpha val="80000"/>
+            </a:schemeClr>
+          </a:solidFill>
+        </p:spPr>
+      </p:pic>
+      <p:pic>
+        <p:nvPicPr>
+          <p:cNvPr id="11" name="Content Placeholder 3">
+            <a:extLst>
+              <a:ext uri="{FF2B5EF4-FFF2-40B4-BE49-F238E27FC236}">
+                <a16:creationId xmlns:a16="http://schemas.microsoft.com/office/drawing/2014/main" id="{2916DCF9-9C5C-426B-8FC3-5B9A79AFE598}"/>
+              </a:ext>
+            </a:extLst>
+          </p:cNvPr>
+          <p:cNvPicPr>
+            <a:picLocks noChangeAspect="1"/>
+          </p:cNvPicPr>
+          <p:nvPr/>
+        </p:nvPicPr>
+        <p:blipFill>
+          <a:blip r:embed="rId9">
+            <a:extLst>
+              <a:ext uri="{28A0092B-C50C-407E-A947-70E740481C1C}">
+                <a14:useLocalDpi xmlns:a14="http://schemas.microsoft.com/office/drawing/2010/main" val="0"/>
+              </a:ext>
+            </a:extLst>
+          </a:blip>
+          <a:stretch>
+            <a:fillRect/>
+          </a:stretch>
+        </p:blipFill>
+        <p:spPr>
+          <a:xfrm>
+            <a:off x="1389683" y="4531957"/>
+            <a:ext cx="1657731" cy="1657731"/>
+          </a:xfrm>
+          <a:prstGeom prst="rect">
+            <a:avLst/>
+          </a:prstGeom>
+          <a:solidFill>
+            <a:schemeClr val="accent3">
+              <a:lumMod val="20000"/>
+              <a:lumOff val="80000"/>
+              <a:alpha val="80000"/>
+            </a:schemeClr>
+          </a:solidFill>
+        </p:spPr>
+      </p:pic>
+      <p:pic>
+        <p:nvPicPr>
+          <p:cNvPr id="12" name="Content Placeholder 5">
+            <a:extLst>
+              <a:ext uri="{FF2B5EF4-FFF2-40B4-BE49-F238E27FC236}">
+                <a16:creationId xmlns:a16="http://schemas.microsoft.com/office/drawing/2014/main" id="{1E0E4641-B4D2-4B8F-B534-96CA869D05C2}"/>
+              </a:ext>
+            </a:extLst>
+          </p:cNvPr>
+          <p:cNvPicPr>
+            <a:picLocks noChangeAspect="1"/>
+          </p:cNvPicPr>
+          <p:nvPr/>
+        </p:nvPicPr>
+        <p:blipFill>
+          <a:blip r:embed="rId10">
+            <a:extLst>
+              <a:ext uri="{28A0092B-C50C-407E-A947-70E740481C1C}">
+                <a14:useLocalDpi xmlns:a14="http://schemas.microsoft.com/office/drawing/2010/main" val="0"/>
+              </a:ext>
+            </a:extLst>
+          </a:blip>
+          <a:stretch>
+            <a:fillRect/>
+          </a:stretch>
+        </p:blipFill>
+        <p:spPr>
+          <a:xfrm>
+            <a:off x="5937126" y="269344"/>
+            <a:ext cx="920874" cy="1664231"/>
+          </a:xfrm>
+          <a:prstGeom prst="rect">
+            <a:avLst/>
+          </a:prstGeom>
+          <a:solidFill>
+            <a:schemeClr val="accent3">
+              <a:lumMod val="20000"/>
+              <a:lumOff val="80000"/>
+              <a:alpha val="80000"/>
+            </a:schemeClr>
+          </a:solidFill>
+        </p:spPr>
+      </p:pic>
+      <p:pic>
+        <p:nvPicPr>
+          <p:cNvPr id="13" name="Content Placeholder 3">
+            <a:extLst>
+              <a:ext uri="{FF2B5EF4-FFF2-40B4-BE49-F238E27FC236}">
+                <a16:creationId xmlns:a16="http://schemas.microsoft.com/office/drawing/2014/main" id="{B0DB0126-616D-4540-A38E-33BEF7DBBDB5}"/>
+              </a:ext>
+            </a:extLst>
+          </p:cNvPr>
+          <p:cNvPicPr>
+            <a:picLocks noChangeAspect="1"/>
+          </p:cNvPicPr>
+          <p:nvPr/>
+        </p:nvPicPr>
+        <p:blipFill>
+          <a:blip r:embed="rId11">
+            <a:extLst>
+              <a:ext uri="{28A0092B-C50C-407E-A947-70E740481C1C}">
+                <a14:useLocalDpi xmlns:a14="http://schemas.microsoft.com/office/drawing/2010/main" val="0"/>
+              </a:ext>
+            </a:extLst>
+          </a:blip>
+          <a:stretch>
+            <a:fillRect/>
+          </a:stretch>
+        </p:blipFill>
+        <p:spPr>
+          <a:xfrm>
+            <a:off x="5259427" y="3954463"/>
+            <a:ext cx="1664231" cy="1664231"/>
+          </a:xfrm>
+          <a:prstGeom prst="rect">
+            <a:avLst/>
+          </a:prstGeom>
+          <a:solidFill>
+            <a:schemeClr val="accent3">
+              <a:lumMod val="20000"/>
+              <a:lumOff val="80000"/>
+              <a:alpha val="80000"/>
+            </a:schemeClr>
+          </a:solidFill>
         </p:spPr>
       </p:pic>
     </p:spTree>
@@ -5663,7 +7137,7 @@
 </p:sld>
 </file>
 
-<file path=ppt/slides/slide19.xml><?xml version="1.0" encoding="utf-8"?>
+<file path=ppt/slides/slide21.xml><?xml version="1.0" encoding="utf-8"?>
 <p:sld xmlns:a="http://schemas.openxmlformats.org/drawingml/2006/main" xmlns:r="http://schemas.openxmlformats.org/officeDocument/2006/relationships" xmlns:p="http://schemas.openxmlformats.org/presentationml/2006/main">
   <p:cSld>
     <p:spTree>
@@ -5685,7 +7159,7 @@
           <p:cNvPr id="3" name="Content Placeholder 2">
             <a:extLst>
               <a:ext uri="{FF2B5EF4-FFF2-40B4-BE49-F238E27FC236}">
-                <a16:creationId xmlns:a16="http://schemas.microsoft.com/office/drawing/2014/main" xmlns="" id="{E8B0A4A8-FF04-462B-8DDA-BCFD8E89D00F}"/>
+                <a16:creationId xmlns:a16="http://schemas.microsoft.com/office/drawing/2014/main" id="{E8B0A4A8-FF04-462B-8DDA-BCFD8E89D00F}"/>
               </a:ext>
             </a:extLst>
           </p:cNvPr>
@@ -5728,7 +7202,7 @@
           <p:cNvPr id="2" name="Title 1">
             <a:extLst>
               <a:ext uri="{FF2B5EF4-FFF2-40B4-BE49-F238E27FC236}">
-                <a16:creationId xmlns:a16="http://schemas.microsoft.com/office/drawing/2014/main" xmlns="" id="{F28379DA-D4D3-4EA3-9044-CE8A34397271}"/>
+                <a16:creationId xmlns:a16="http://schemas.microsoft.com/office/drawing/2014/main" id="{F28379DA-D4D3-4EA3-9044-CE8A34397271}"/>
               </a:ext>
             </a:extLst>
           </p:cNvPr>
@@ -5745,10 +7219,9 @@
           <a:lstStyle/>
           <a:p>
             <a:r>
-              <a:rPr lang="en-US" dirty="0" smtClean="0"/>
-              <a:t>N</a:t>
-            </a:r>
-            <a:endParaRPr lang="en-US" dirty="0"/>
+              <a:rPr lang="en-US" dirty="0"/>
+              <a:t>Legend #2</a:t>
+            </a:r>
           </a:p>
         </p:txBody>
       </p:sp>
@@ -5757,7 +7230,7 @@
           <p:cNvPr id="10" name="Picture 6" descr="staff">
             <a:extLst>
               <a:ext uri="{FF2B5EF4-FFF2-40B4-BE49-F238E27FC236}">
-                <a16:creationId xmlns:a16="http://schemas.microsoft.com/office/drawing/2014/main" xmlns="" id="{C229C38F-D45A-4E97-8222-109ED91DF5E6}"/>
+                <a16:creationId xmlns:a16="http://schemas.microsoft.com/office/drawing/2014/main" id="{C229C38F-D45A-4E97-8222-109ED91DF5E6}"/>
               </a:ext>
             </a:extLst>
           </p:cNvPr>
@@ -5781,7 +7254,7 @@
         </p:blipFill>
         <p:spPr>
           <a:xfrm>
-            <a:off x="1069382" y="2286309"/>
+            <a:off x="1069382" y="2557903"/>
             <a:ext cx="10120393" cy="4143371"/>
           </a:xfrm>
           <a:prstGeom prst="rect">
@@ -5824,7 +7297,7 @@
           <p:cNvPr id="4" name="Content Placeholder 3">
             <a:extLst>
               <a:ext uri="{FF2B5EF4-FFF2-40B4-BE49-F238E27FC236}">
-                <a16:creationId xmlns:a16="http://schemas.microsoft.com/office/drawing/2014/main" xmlns="" id="{49145161-B7C7-4EF6-8DF8-806C7011A25C}"/>
+                <a16:creationId xmlns:a16="http://schemas.microsoft.com/office/drawing/2014/main" id="{49145161-B7C7-4EF6-8DF8-806C7011A25C}"/>
               </a:ext>
             </a:extLst>
           </p:cNvPr>
@@ -5867,7 +7340,7 @@
           <p:cNvPr id="5" name="Content Placeholder 3">
             <a:extLst>
               <a:ext uri="{FF2B5EF4-FFF2-40B4-BE49-F238E27FC236}">
-                <a16:creationId xmlns:a16="http://schemas.microsoft.com/office/drawing/2014/main" xmlns="" id="{A31FE66B-7F48-4AF9-8AB5-F4D66398617C}"/>
+                <a16:creationId xmlns:a16="http://schemas.microsoft.com/office/drawing/2014/main" id="{A31FE66B-7F48-4AF9-8AB5-F4D66398617C}"/>
               </a:ext>
             </a:extLst>
           </p:cNvPr>
@@ -5910,7 +7383,7 @@
           <p:cNvPr id="6" name="Content Placeholder 3">
             <a:extLst>
               <a:ext uri="{FF2B5EF4-FFF2-40B4-BE49-F238E27FC236}">
-                <a16:creationId xmlns:a16="http://schemas.microsoft.com/office/drawing/2014/main" xmlns="" id="{9B0D1136-5B31-4010-9B57-550F84822C02}"/>
+                <a16:creationId xmlns:a16="http://schemas.microsoft.com/office/drawing/2014/main" id="{9B0D1136-5B31-4010-9B57-550F84822C02}"/>
               </a:ext>
             </a:extLst>
           </p:cNvPr>
@@ -5953,7 +7426,7 @@
           <p:cNvPr id="7" name="Content Placeholder 3">
             <a:extLst>
               <a:ext uri="{FF2B5EF4-FFF2-40B4-BE49-F238E27FC236}">
-                <a16:creationId xmlns:a16="http://schemas.microsoft.com/office/drawing/2014/main" xmlns="" id="{033D5DC4-AEAC-4750-BD2B-51BEDE0AD62A}"/>
+                <a16:creationId xmlns:a16="http://schemas.microsoft.com/office/drawing/2014/main" id="{033D5DC4-AEAC-4750-BD2B-51BEDE0AD62A}"/>
               </a:ext>
             </a:extLst>
           </p:cNvPr>
@@ -5996,7 +7469,7 @@
           <p:cNvPr id="8" name="Content Placeholder 3">
             <a:extLst>
               <a:ext uri="{FF2B5EF4-FFF2-40B4-BE49-F238E27FC236}">
-                <a16:creationId xmlns:a16="http://schemas.microsoft.com/office/drawing/2014/main" xmlns="" id="{4AA8F81E-07F9-47E7-B291-3267DE349543}"/>
+                <a16:creationId xmlns:a16="http://schemas.microsoft.com/office/drawing/2014/main" id="{4AA8F81E-07F9-47E7-B291-3267DE349543}"/>
               </a:ext>
             </a:extLst>
           </p:cNvPr>
@@ -6039,7 +7512,7 @@
           <p:cNvPr id="9" name="Content Placeholder 3">
             <a:extLst>
               <a:ext uri="{FF2B5EF4-FFF2-40B4-BE49-F238E27FC236}">
-                <a16:creationId xmlns:a16="http://schemas.microsoft.com/office/drawing/2014/main" xmlns="" id="{B5783C3A-EE5F-436B-97A6-55E5369A6192}"/>
+                <a16:creationId xmlns:a16="http://schemas.microsoft.com/office/drawing/2014/main" id="{B5783C3A-EE5F-436B-97A6-55E5369A6192}"/>
               </a:ext>
             </a:extLst>
           </p:cNvPr>
@@ -6082,7 +7555,7 @@
           <p:cNvPr id="11" name="Picture 17" descr="bassclef">
             <a:extLst>
               <a:ext uri="{FF2B5EF4-FFF2-40B4-BE49-F238E27FC236}">
-                <a16:creationId xmlns:a16="http://schemas.microsoft.com/office/drawing/2014/main" xmlns="" id="{9C47F8AD-EE55-42C5-BDF4-9BE432D51C29}"/>
+                <a16:creationId xmlns:a16="http://schemas.microsoft.com/office/drawing/2014/main" id="{9C47F8AD-EE55-42C5-BDF4-9BE432D51C29}"/>
               </a:ext>
             </a:extLst>
           </p:cNvPr>
@@ -6106,7 +7579,7 @@
         </p:blipFill>
         <p:spPr>
           <a:xfrm>
-            <a:off x="6066690" y="247658"/>
+            <a:off x="5134284" y="1601859"/>
             <a:ext cx="2048338" cy="2048338"/>
           </a:xfrm>
           <a:prstGeom prst="rect">
@@ -6149,7 +7622,7 @@
           <p:cNvPr id="12" name="Picture 19" descr="trebleclef">
             <a:extLst>
               <a:ext uri="{FF2B5EF4-FFF2-40B4-BE49-F238E27FC236}">
-                <a16:creationId xmlns:a16="http://schemas.microsoft.com/office/drawing/2014/main" xmlns="" id="{CF4DE2D5-B104-4206-9B8D-87A7D56B1332}"/>
+                <a16:creationId xmlns:a16="http://schemas.microsoft.com/office/drawing/2014/main" id="{CF4DE2D5-B104-4206-9B8D-87A7D56B1332}"/>
               </a:ext>
             </a:extLst>
           </p:cNvPr>
@@ -6173,7 +7646,7 @@
         </p:blipFill>
         <p:spPr>
           <a:xfrm>
-            <a:off x="3542774" y="247658"/>
+            <a:off x="1777011" y="1447180"/>
             <a:ext cx="1981707" cy="1981707"/>
           </a:xfrm>
           <a:prstGeom prst="rect">
@@ -6216,7 +7689,7 @@
           <p:cNvPr id="13" name="Picture 2" descr="https://upload.wikimedia.org/wikipedia/commons/thumb/4/4c/Grand_staff.svg/794px-Grand_staff.svg.png">
             <a:extLst>
               <a:ext uri="{FF2B5EF4-FFF2-40B4-BE49-F238E27FC236}">
-                <a16:creationId xmlns:a16="http://schemas.microsoft.com/office/drawing/2014/main" xmlns="" id="{1711C3A0-675A-4DF8-B5E3-BB18554142A2}"/>
+                <a16:creationId xmlns:a16="http://schemas.microsoft.com/office/drawing/2014/main" id="{1711C3A0-675A-4DF8-B5E3-BB18554142A2}"/>
               </a:ext>
             </a:extLst>
           </p:cNvPr>
@@ -6256,221 +7729,6 @@
               </a14:hiddenFill>
             </a:ext>
           </a:extLst>
-        </p:spPr>
-      </p:pic>
-      <p:pic>
-        <p:nvPicPr>
-          <p:cNvPr id="14" name="Content Placeholder 3">
-            <a:extLst>
-              <a:ext uri="{FF2B5EF4-FFF2-40B4-BE49-F238E27FC236}">
-                <a16:creationId xmlns:a16="http://schemas.microsoft.com/office/drawing/2014/main" xmlns="" id="{CA8F3C17-11A6-4AF0-A14D-8E3045AC524B}"/>
-              </a:ext>
-            </a:extLst>
-          </p:cNvPr>
-          <p:cNvPicPr>
-            <a:picLocks noChangeAspect="1"/>
-          </p:cNvPicPr>
-          <p:nvPr/>
-        </p:nvPicPr>
-        <p:blipFill>
-          <a:blip r:embed="rId12">
-            <a:extLst>
-              <a:ext uri="{28A0092B-C50C-407E-A947-70E740481C1C}">
-                <a14:useLocalDpi xmlns:a14="http://schemas.microsoft.com/office/drawing/2010/main" val="0"/>
-              </a:ext>
-            </a:extLst>
-          </a:blip>
-          <a:stretch>
-            <a:fillRect/>
-          </a:stretch>
-        </p:blipFill>
-        <p:spPr>
-          <a:xfrm>
-            <a:off x="1389683" y="986141"/>
-            <a:ext cx="1681566" cy="1664231"/>
-          </a:xfrm>
-          <a:prstGeom prst="rect">
-            <a:avLst/>
-          </a:prstGeom>
-          <a:solidFill>
-            <a:schemeClr val="accent3">
-              <a:lumMod val="20000"/>
-              <a:lumOff val="80000"/>
-              <a:alpha val="80000"/>
-            </a:schemeClr>
-          </a:solidFill>
-        </p:spPr>
-      </p:pic>
-      <p:pic>
-        <p:nvPicPr>
-          <p:cNvPr id="15" name="Content Placeholder 3">
-            <a:extLst>
-              <a:ext uri="{FF2B5EF4-FFF2-40B4-BE49-F238E27FC236}">
-                <a16:creationId xmlns:a16="http://schemas.microsoft.com/office/drawing/2014/main" xmlns="" id="{C6B68B86-5128-4DB9-B425-17CE83C25ECB}"/>
-              </a:ext>
-            </a:extLst>
-          </p:cNvPr>
-          <p:cNvPicPr>
-            <a:picLocks noChangeAspect="1"/>
-          </p:cNvPicPr>
-          <p:nvPr/>
-        </p:nvPicPr>
-        <p:blipFill>
-          <a:blip r:embed="rId13">
-            <a:extLst>
-              <a:ext uri="{28A0092B-C50C-407E-A947-70E740481C1C}">
-                <a14:useLocalDpi xmlns:a14="http://schemas.microsoft.com/office/drawing/2010/main" val="0"/>
-              </a:ext>
-            </a:extLst>
-          </a:blip>
-          <a:stretch>
-            <a:fillRect/>
-          </a:stretch>
-        </p:blipFill>
-        <p:spPr>
-          <a:xfrm>
-            <a:off x="1220886" y="2867725"/>
-            <a:ext cx="1850363" cy="1664232"/>
-          </a:xfrm>
-          <a:prstGeom prst="rect">
-            <a:avLst/>
-          </a:prstGeom>
-          <a:solidFill>
-            <a:schemeClr val="accent3">
-              <a:lumMod val="20000"/>
-              <a:lumOff val="80000"/>
-              <a:alpha val="80000"/>
-            </a:schemeClr>
-          </a:solidFill>
-        </p:spPr>
-      </p:pic>
-      <p:pic>
-        <p:nvPicPr>
-          <p:cNvPr id="16" name="Content Placeholder 3">
-            <a:extLst>
-              <a:ext uri="{FF2B5EF4-FFF2-40B4-BE49-F238E27FC236}">
-                <a16:creationId xmlns:a16="http://schemas.microsoft.com/office/drawing/2014/main" xmlns="" id="{D56BA04B-470F-4E9C-93E1-F08A62F1CE40}"/>
-              </a:ext>
-            </a:extLst>
-          </p:cNvPr>
-          <p:cNvPicPr>
-            <a:picLocks noChangeAspect="1"/>
-          </p:cNvPicPr>
-          <p:nvPr/>
-        </p:nvPicPr>
-        <p:blipFill>
-          <a:blip r:embed="rId14">
-            <a:extLst>
-              <a:ext uri="{28A0092B-C50C-407E-A947-70E740481C1C}">
-                <a14:useLocalDpi xmlns:a14="http://schemas.microsoft.com/office/drawing/2010/main" val="0"/>
-              </a:ext>
-            </a:extLst>
-          </a:blip>
-          <a:stretch>
-            <a:fillRect/>
-          </a:stretch>
-        </p:blipFill>
-        <p:spPr>
-          <a:xfrm>
-            <a:off x="1389683" y="4531957"/>
-            <a:ext cx="1657731" cy="1657731"/>
-          </a:xfrm>
-          <a:prstGeom prst="rect">
-            <a:avLst/>
-          </a:prstGeom>
-          <a:solidFill>
-            <a:schemeClr val="accent3">
-              <a:lumMod val="20000"/>
-              <a:lumOff val="80000"/>
-              <a:alpha val="80000"/>
-            </a:schemeClr>
-          </a:solidFill>
-        </p:spPr>
-      </p:pic>
-      <p:pic>
-        <p:nvPicPr>
-          <p:cNvPr id="17" name="Content Placeholder 5">
-            <a:extLst>
-              <a:ext uri="{FF2B5EF4-FFF2-40B4-BE49-F238E27FC236}">
-                <a16:creationId xmlns:a16="http://schemas.microsoft.com/office/drawing/2014/main" xmlns="" id="{F710F9A7-8D28-4D69-861E-469FA774AAEE}"/>
-              </a:ext>
-            </a:extLst>
-          </p:cNvPr>
-          <p:cNvPicPr>
-            <a:picLocks noChangeAspect="1"/>
-          </p:cNvPicPr>
-          <p:nvPr/>
-        </p:nvPicPr>
-        <p:blipFill>
-          <a:blip r:embed="rId15">
-            <a:extLst>
-              <a:ext uri="{28A0092B-C50C-407E-A947-70E740481C1C}">
-                <a14:useLocalDpi xmlns:a14="http://schemas.microsoft.com/office/drawing/2010/main" val="0"/>
-              </a:ext>
-            </a:extLst>
-          </a:blip>
-          <a:stretch>
-            <a:fillRect/>
-          </a:stretch>
-        </p:blipFill>
-        <p:spPr>
-          <a:xfrm>
-            <a:off x="3564976" y="2229365"/>
-            <a:ext cx="920874" cy="1664231"/>
-          </a:xfrm>
-          <a:prstGeom prst="rect">
-            <a:avLst/>
-          </a:prstGeom>
-          <a:solidFill>
-            <a:schemeClr val="accent3">
-              <a:lumMod val="20000"/>
-              <a:lumOff val="80000"/>
-              <a:alpha val="80000"/>
-            </a:schemeClr>
-          </a:solidFill>
-        </p:spPr>
-      </p:pic>
-      <p:pic>
-        <p:nvPicPr>
-          <p:cNvPr id="18" name="Content Placeholder 3">
-            <a:extLst>
-              <a:ext uri="{FF2B5EF4-FFF2-40B4-BE49-F238E27FC236}">
-                <a16:creationId xmlns:a16="http://schemas.microsoft.com/office/drawing/2014/main" xmlns="" id="{DF560938-E607-474C-8AE2-2592ADF837CB}"/>
-              </a:ext>
-            </a:extLst>
-          </p:cNvPr>
-          <p:cNvPicPr>
-            <a:picLocks noChangeAspect="1"/>
-          </p:cNvPicPr>
-          <p:nvPr/>
-        </p:nvPicPr>
-        <p:blipFill>
-          <a:blip r:embed="rId16">
-            <a:extLst>
-              <a:ext uri="{28A0092B-C50C-407E-A947-70E740481C1C}">
-                <a14:useLocalDpi xmlns:a14="http://schemas.microsoft.com/office/drawing/2010/main" val="0"/>
-              </a:ext>
-            </a:extLst>
-          </a:blip>
-          <a:stretch>
-            <a:fillRect/>
-          </a:stretch>
-        </p:blipFill>
-        <p:spPr>
-          <a:xfrm>
-            <a:off x="3390492" y="4016163"/>
-            <a:ext cx="1664231" cy="1664231"/>
-          </a:xfrm>
-          <a:prstGeom prst="rect">
-            <a:avLst/>
-          </a:prstGeom>
-          <a:solidFill>
-            <a:schemeClr val="accent3">
-              <a:lumMod val="20000"/>
-              <a:lumOff val="80000"/>
-              <a:alpha val="80000"/>
-            </a:schemeClr>
-          </a:solidFill>
         </p:spPr>
       </p:pic>
     </p:spTree>
@@ -6768,472 +8026,6 @@
 </p:sld>
 </file>
 
-<file path=ppt/slides/slide2.xml><?xml version="1.0" encoding="utf-8"?>
-<p:sld xmlns:a="http://schemas.openxmlformats.org/drawingml/2006/main" xmlns:r="http://schemas.openxmlformats.org/officeDocument/2006/relationships" xmlns:p="http://schemas.openxmlformats.org/presentationml/2006/main">
-  <p:cSld>
-    <p:spTree>
-      <p:nvGrpSpPr>
-        <p:cNvPr id="1" name=""/>
-        <p:cNvGrpSpPr/>
-        <p:nvPr/>
-      </p:nvGrpSpPr>
-      <p:grpSpPr>
-        <a:xfrm>
-          <a:off x="0" y="0"/>
-          <a:ext cx="0" cy="0"/>
-          <a:chOff x="0" y="0"/>
-          <a:chExt cx="0" cy="0"/>
-        </a:xfrm>
-      </p:grpSpPr>
-      <p:sp>
-        <p:nvSpPr>
-          <p:cNvPr id="2" name="Title 1">
-            <a:extLst>
-              <a:ext uri="{FF2B5EF4-FFF2-40B4-BE49-F238E27FC236}">
-                <a16:creationId xmlns:a16="http://schemas.microsoft.com/office/drawing/2014/main" xmlns="" id="{31D277A9-A8B5-41F3-B406-DD571DF66997}"/>
-              </a:ext>
-            </a:extLst>
-          </p:cNvPr>
-          <p:cNvSpPr>
-            <a:spLocks noGrp="1"/>
-          </p:cNvSpPr>
-          <p:nvPr>
-            <p:ph type="title"/>
-          </p:nvPr>
-        </p:nvSpPr>
-        <p:spPr/>
-        <p:txBody>
-          <a:bodyPr/>
-          <a:lstStyle/>
-          <a:p>
-            <a:r>
-              <a:rPr lang="en-US" dirty="0" smtClean="0"/>
-              <a:t>What We’ll Cover</a:t>
-            </a:r>
-            <a:endParaRPr lang="en-US" dirty="0"/>
-          </a:p>
-        </p:txBody>
-      </p:sp>
-      <p:sp>
-        <p:nvSpPr>
-          <p:cNvPr id="3" name="Content Placeholder 2">
-            <a:extLst>
-              <a:ext uri="{FF2B5EF4-FFF2-40B4-BE49-F238E27FC236}">
-                <a16:creationId xmlns:a16="http://schemas.microsoft.com/office/drawing/2014/main" xmlns="" id="{5FB5E2F7-FF6E-498E-AD36-06D842BAF4C5}"/>
-              </a:ext>
-            </a:extLst>
-          </p:cNvPr>
-          <p:cNvSpPr>
-            <a:spLocks noGrp="1"/>
-          </p:cNvSpPr>
-          <p:nvPr>
-            <p:ph idx="1"/>
-          </p:nvPr>
-        </p:nvSpPr>
-        <p:spPr/>
-        <p:txBody>
-          <a:bodyPr/>
-          <a:lstStyle/>
-          <a:p>
-            <a:pPr>
-              <a:lnSpc>
-                <a:spcPct val="80000"/>
-              </a:lnSpc>
-            </a:pPr>
-            <a:r>
-              <a:rPr lang="en-US" altLang="en-US" dirty="0" smtClean="0"/>
-              <a:t>Check out </a:t>
-            </a:r>
-            <a:r>
-              <a:rPr lang="en-US" dirty="0">
-                <a:hlinkClick r:id="rId2"/>
-              </a:rPr>
-              <a:t> Andrew </a:t>
-            </a:r>
-            <a:r>
-              <a:rPr lang="en-US" dirty="0" err="1" smtClean="0">
-                <a:hlinkClick r:id="rId2"/>
-              </a:rPr>
-              <a:t>Furmanczyk</a:t>
-            </a:r>
-            <a:r>
-              <a:rPr lang="en-US" dirty="0" smtClean="0"/>
-              <a:t> Music Theory lessons 01 – 50</a:t>
-            </a:r>
-          </a:p>
-          <a:p>
-            <a:pPr>
-              <a:lnSpc>
-                <a:spcPct val="80000"/>
-              </a:lnSpc>
-            </a:pPr>
-            <a:r>
-              <a:rPr lang="en-US" altLang="en-US" dirty="0" smtClean="0"/>
-              <a:t>Lesson 1 covered 01-05</a:t>
-            </a:r>
-          </a:p>
-          <a:p>
-            <a:pPr>
-              <a:lnSpc>
-                <a:spcPct val="80000"/>
-              </a:lnSpc>
-            </a:pPr>
-            <a:r>
-              <a:rPr lang="en-US" altLang="en-US" dirty="0" smtClean="0"/>
-              <a:t>I’ll plan to cover 05…….20</a:t>
-            </a:r>
-          </a:p>
-          <a:p>
-            <a:pPr>
-              <a:lnSpc>
-                <a:spcPct val="80000"/>
-              </a:lnSpc>
-            </a:pPr>
-            <a:r>
-              <a:rPr lang="en-US" altLang="en-US" dirty="0" smtClean="0"/>
-              <a:t>5 lessons in </a:t>
-            </a:r>
-            <a:r>
-              <a:rPr lang="en-US" altLang="en-US" dirty="0" err="1" smtClean="0"/>
-              <a:t>Rythym</a:t>
-            </a:r>
-            <a:r>
-              <a:rPr lang="en-US" altLang="en-US" dirty="0" smtClean="0"/>
-              <a:t> </a:t>
-            </a:r>
-          </a:p>
-          <a:p>
-            <a:pPr>
-              <a:lnSpc>
-                <a:spcPct val="80000"/>
-              </a:lnSpc>
-            </a:pPr>
-            <a:endParaRPr lang="en-US" altLang="en-US" dirty="0" smtClean="0"/>
-          </a:p>
-          <a:p>
-            <a:pPr>
-              <a:lnSpc>
-                <a:spcPct val="80000"/>
-              </a:lnSpc>
-            </a:pPr>
-            <a:endParaRPr lang="en-US" altLang="en-US" dirty="0" smtClean="0"/>
-          </a:p>
-          <a:p>
-            <a:pPr>
-              <a:lnSpc>
-                <a:spcPct val="80000"/>
-              </a:lnSpc>
-            </a:pPr>
-            <a:endParaRPr lang="en-US" altLang="en-US" dirty="0" smtClean="0"/>
-          </a:p>
-          <a:p>
-            <a:pPr>
-              <a:lnSpc>
-                <a:spcPct val="80000"/>
-              </a:lnSpc>
-            </a:pPr>
-            <a:endParaRPr lang="en-US" altLang="en-US" dirty="0" smtClean="0"/>
-          </a:p>
-          <a:p>
-            <a:pPr>
-              <a:lnSpc>
-                <a:spcPct val="80000"/>
-              </a:lnSpc>
-            </a:pPr>
-            <a:endParaRPr lang="en-US" altLang="en-US" dirty="0"/>
-          </a:p>
-        </p:txBody>
-      </p:sp>
-      <p:sp>
-        <p:nvSpPr>
-          <p:cNvPr id="4" name="Rectangle 3">
-            <a:extLst>
-              <a:ext uri="{FF2B5EF4-FFF2-40B4-BE49-F238E27FC236}">
-                <a16:creationId xmlns:a16="http://schemas.microsoft.com/office/drawing/2014/main" xmlns="" id="{B1B24281-EFBE-4C97-9D85-5455EF803DA7}"/>
-              </a:ext>
-            </a:extLst>
-          </p:cNvPr>
-          <p:cNvSpPr/>
-          <p:nvPr/>
-        </p:nvSpPr>
-        <p:spPr>
-          <a:xfrm>
-            <a:off x="3505200" y="2065866"/>
-            <a:ext cx="5638800" cy="387798"/>
-          </a:xfrm>
-          <a:prstGeom prst="rect">
-            <a:avLst/>
-          </a:prstGeom>
-        </p:spPr>
-        <p:txBody>
-          <a:bodyPr wrap="square">
-            <a:spAutoFit/>
-          </a:bodyPr>
-          <a:lstStyle/>
-          <a:p>
-            <a:pPr>
-              <a:lnSpc>
-                <a:spcPct val="80000"/>
-              </a:lnSpc>
-            </a:pPr>
-            <a:endParaRPr lang="en-US" altLang="en-US" sz="2400" dirty="0"/>
-          </a:p>
-        </p:txBody>
-      </p:sp>
-    </p:spTree>
-    <p:extLst>
-      <p:ext uri="{BB962C8B-B14F-4D97-AF65-F5344CB8AC3E}">
-        <p14:creationId xmlns:p14="http://schemas.microsoft.com/office/powerpoint/2010/main" val="2313695865"/>
-      </p:ext>
-    </p:extLst>
-  </p:cSld>
-  <p:clrMapOvr>
-    <a:masterClrMapping/>
-  </p:clrMapOvr>
-  <mc:AlternateContent xmlns:mc="http://schemas.openxmlformats.org/markup-compatibility/2006" xmlns:p14="http://schemas.microsoft.com/office/powerpoint/2010/main">
-    <mc:Choice Requires="p14">
-      <p:transition spd="med" p14:dur="700">
-        <p:fade/>
-      </p:transition>
-    </mc:Choice>
-    <mc:Fallback xmlns="">
-      <p:transition spd="med">
-        <p:fade/>
-      </p:transition>
-    </mc:Fallback>
-  </mc:AlternateContent>
-</p:sld>
-</file>
-
-<file path=ppt/slides/slide20.xml><?xml version="1.0" encoding="utf-8"?>
-<p:sld xmlns:a="http://schemas.openxmlformats.org/drawingml/2006/main" xmlns:r="http://schemas.openxmlformats.org/officeDocument/2006/relationships" xmlns:p="http://schemas.openxmlformats.org/presentationml/2006/main">
-  <p:cSld>
-    <p:spTree>
-      <p:nvGrpSpPr>
-        <p:cNvPr id="1" name=""/>
-        <p:cNvGrpSpPr/>
-        <p:nvPr/>
-      </p:nvGrpSpPr>
-      <p:grpSpPr>
-        <a:xfrm>
-          <a:off x="0" y="0"/>
-          <a:ext cx="0" cy="0"/>
-          <a:chOff x="0" y="0"/>
-          <a:chExt cx="0" cy="0"/>
-        </a:xfrm>
-      </p:grpSpPr>
-      <p:sp>
-        <p:nvSpPr>
-          <p:cNvPr id="2" name="Title 1">
-            <a:extLst>
-              <a:ext uri="{FF2B5EF4-FFF2-40B4-BE49-F238E27FC236}">
-                <a16:creationId xmlns:a16="http://schemas.microsoft.com/office/drawing/2014/main" xmlns="" id="{54FC5895-BDF3-4345-A394-11D4FC8C3F46}"/>
-              </a:ext>
-            </a:extLst>
-          </p:cNvPr>
-          <p:cNvSpPr>
-            <a:spLocks noGrp="1"/>
-          </p:cNvSpPr>
-          <p:nvPr>
-            <p:ph type="title"/>
-          </p:nvPr>
-        </p:nvSpPr>
-        <p:spPr/>
-        <p:txBody>
-          <a:bodyPr/>
-          <a:lstStyle/>
-          <a:p>
-            <a:r>
-              <a:rPr lang="en-US" dirty="0"/>
-              <a:t>Practice</a:t>
-            </a:r>
-          </a:p>
-        </p:txBody>
-      </p:sp>
-      <p:sp>
-        <p:nvSpPr>
-          <p:cNvPr id="3" name="Content Placeholder 2">
-            <a:extLst>
-              <a:ext uri="{FF2B5EF4-FFF2-40B4-BE49-F238E27FC236}">
-                <a16:creationId xmlns:a16="http://schemas.microsoft.com/office/drawing/2014/main" xmlns="" id="{AE89BAE6-3694-41C6-B273-76B554E67A4B}"/>
-              </a:ext>
-            </a:extLst>
-          </p:cNvPr>
-          <p:cNvSpPr>
-            <a:spLocks noGrp="1"/>
-          </p:cNvSpPr>
-          <p:nvPr>
-            <p:ph idx="1"/>
-          </p:nvPr>
-        </p:nvSpPr>
-        <p:spPr/>
-        <p:txBody>
-          <a:bodyPr/>
-          <a:lstStyle/>
-          <a:p>
-            <a:r>
-              <a:rPr lang="en-US" dirty="0" smtClean="0"/>
-              <a:t>D</a:t>
-            </a:r>
-            <a:endParaRPr lang="en-US" dirty="0"/>
-          </a:p>
-        </p:txBody>
-      </p:sp>
-    </p:spTree>
-    <p:extLst>
-      <p:ext uri="{BB962C8B-B14F-4D97-AF65-F5344CB8AC3E}">
-        <p14:creationId xmlns:p14="http://schemas.microsoft.com/office/powerpoint/2010/main" val="1954546494"/>
-      </p:ext>
-    </p:extLst>
-  </p:cSld>
-  <p:clrMapOvr>
-    <a:masterClrMapping/>
-  </p:clrMapOvr>
-  <mc:AlternateContent xmlns:mc="http://schemas.openxmlformats.org/markup-compatibility/2006" xmlns:p14="http://schemas.microsoft.com/office/powerpoint/2010/main">
-    <mc:Choice Requires="p14">
-      <p:transition spd="med" p14:dur="700">
-        <p:fade/>
-      </p:transition>
-    </mc:Choice>
-    <mc:Fallback xmlns="">
-      <p:transition spd="med">
-        <p:fade/>
-      </p:transition>
-    </mc:Fallback>
-  </mc:AlternateContent>
-</p:sld>
-</file>
-
-<file path=ppt/slides/slide21.xml><?xml version="1.0" encoding="utf-8"?>
-<p:sld xmlns:a="http://schemas.openxmlformats.org/drawingml/2006/main" xmlns:r="http://schemas.openxmlformats.org/officeDocument/2006/relationships" xmlns:p="http://schemas.openxmlformats.org/presentationml/2006/main">
-  <p:cSld>
-    <p:spTree>
-      <p:nvGrpSpPr>
-        <p:cNvPr id="1" name=""/>
-        <p:cNvGrpSpPr/>
-        <p:nvPr/>
-      </p:nvGrpSpPr>
-      <p:grpSpPr>
-        <a:xfrm>
-          <a:off x="0" y="0"/>
-          <a:ext cx="0" cy="0"/>
-          <a:chOff x="0" y="0"/>
-          <a:chExt cx="0" cy="0"/>
-        </a:xfrm>
-      </p:grpSpPr>
-      <p:sp>
-        <p:nvSpPr>
-          <p:cNvPr id="2" name="Title 1">
-            <a:extLst>
-              <a:ext uri="{FF2B5EF4-FFF2-40B4-BE49-F238E27FC236}">
-                <a16:creationId xmlns:a16="http://schemas.microsoft.com/office/drawing/2014/main" xmlns="" id="{5FC422D0-EEEE-410F-819B-CBE9B3BDCF47}"/>
-              </a:ext>
-            </a:extLst>
-          </p:cNvPr>
-          <p:cNvSpPr>
-            <a:spLocks noGrp="1"/>
-          </p:cNvSpPr>
-          <p:nvPr>
-            <p:ph type="title"/>
-          </p:nvPr>
-        </p:nvSpPr>
-        <p:spPr/>
-        <p:txBody>
-          <a:bodyPr/>
-          <a:lstStyle/>
-          <a:p>
-            <a:r>
-              <a:rPr lang="en-US" dirty="0"/>
-              <a:t>Resources</a:t>
-            </a:r>
-          </a:p>
-        </p:txBody>
-      </p:sp>
-      <p:sp>
-        <p:nvSpPr>
-          <p:cNvPr id="4" name="Content Placeholder 3">
-            <a:extLst>
-              <a:ext uri="{FF2B5EF4-FFF2-40B4-BE49-F238E27FC236}">
-                <a16:creationId xmlns:a16="http://schemas.microsoft.com/office/drawing/2014/main" xmlns="" id="{6382356C-9CB7-4AA0-8498-CA10CB752DD3}"/>
-              </a:ext>
-            </a:extLst>
-          </p:cNvPr>
-          <p:cNvSpPr>
-            <a:spLocks noGrp="1"/>
-          </p:cNvSpPr>
-          <p:nvPr>
-            <p:ph sz="half" idx="1"/>
-          </p:nvPr>
-        </p:nvSpPr>
-        <p:spPr>
-          <a:xfrm>
-            <a:off x="838200" y="1825625"/>
-            <a:ext cx="10515600" cy="4351338"/>
-          </a:xfrm>
-        </p:spPr>
-        <p:txBody>
-          <a:bodyPr/>
-          <a:lstStyle/>
-          <a:p>
-            <a:r>
-              <a:rPr lang="en-US" dirty="0" err="1">
-                <a:hlinkClick r:id="rId2"/>
-              </a:rPr>
-              <a:t>Lypur</a:t>
-            </a:r>
-            <a:r>
-              <a:rPr lang="en-US" dirty="0">
-                <a:hlinkClick r:id="rId2"/>
-              </a:rPr>
-              <a:t> – Andrew </a:t>
-            </a:r>
-            <a:r>
-              <a:rPr lang="en-US" dirty="0" err="1">
-                <a:hlinkClick r:id="rId2"/>
-              </a:rPr>
-              <a:t>Furmanczyk</a:t>
-            </a:r>
-            <a:endParaRPr lang="en-US" dirty="0"/>
-          </a:p>
-          <a:p>
-            <a:r>
-              <a:rPr lang="en-US" dirty="0">
-                <a:hlinkClick r:id="rId3"/>
-              </a:rPr>
-              <a:t>Notes and Slides</a:t>
-            </a:r>
-            <a:endParaRPr lang="en-US" dirty="0"/>
-          </a:p>
-          <a:p>
-            <a:endParaRPr lang="en-US" dirty="0"/>
-          </a:p>
-        </p:txBody>
-      </p:sp>
-    </p:spTree>
-    <p:extLst>
-      <p:ext uri="{BB962C8B-B14F-4D97-AF65-F5344CB8AC3E}">
-        <p14:creationId xmlns:p14="http://schemas.microsoft.com/office/powerpoint/2010/main" val="3349683684"/>
-      </p:ext>
-    </p:extLst>
-  </p:cSld>
-  <p:clrMapOvr>
-    <a:masterClrMapping/>
-  </p:clrMapOvr>
-  <mc:AlternateContent xmlns:mc="http://schemas.openxmlformats.org/markup-compatibility/2006" xmlns:p14="http://schemas.microsoft.com/office/powerpoint/2010/main">
-    <mc:Choice Requires="p14">
-      <p:transition spd="med" p14:dur="700">
-        <p:fade/>
-      </p:transition>
-    </mc:Choice>
-    <mc:Fallback xmlns="">
-      <p:transition spd="med">
-        <p:fade/>
-      </p:transition>
-    </mc:Fallback>
-  </mc:AlternateContent>
-</p:sld>
-</file>
-
 <file path=ppt/slides/slide3.xml><?xml version="1.0" encoding="utf-8"?>
 <p:sld xmlns:a="http://schemas.openxmlformats.org/drawingml/2006/main" xmlns:r="http://schemas.openxmlformats.org/officeDocument/2006/relationships" xmlns:p="http://schemas.openxmlformats.org/presentationml/2006/main">
   <p:cSld>
@@ -7256,7 +8048,7 @@
           <p:cNvPr id="2" name="Title 1">
             <a:extLst>
               <a:ext uri="{FF2B5EF4-FFF2-40B4-BE49-F238E27FC236}">
-                <a16:creationId xmlns:a16="http://schemas.microsoft.com/office/drawing/2014/main" xmlns="" id="{2C741890-DAC4-4021-98F0-B480078668DE}"/>
+                <a16:creationId xmlns:a16="http://schemas.microsoft.com/office/drawing/2014/main" id="{2C741890-DAC4-4021-98F0-B480078668DE}"/>
               </a:ext>
             </a:extLst>
           </p:cNvPr>
@@ -7272,11 +8064,11 @@
           <a:bodyPr/>
           <a:lstStyle/>
           <a:p>
-            <a:r>
-              <a:rPr lang="en-US" dirty="0" smtClean="0"/>
+            <a:pPr algn="ctr"/>
+            <a:r>
+              <a:rPr lang="en-US" dirty="0"/>
               <a:t>#6 Dotted Notes &amp; Triplets</a:t>
             </a:r>
-            <a:endParaRPr lang="en-US" dirty="0"/>
           </a:p>
         </p:txBody>
       </p:sp>
@@ -7285,7 +8077,7 @@
           <p:cNvPr id="3" name="Content Placeholder 2">
             <a:extLst>
               <a:ext uri="{FF2B5EF4-FFF2-40B4-BE49-F238E27FC236}">
-                <a16:creationId xmlns:a16="http://schemas.microsoft.com/office/drawing/2014/main" xmlns="" id="{CB273D54-0A4C-4467-A5EE-1D2D0731561F}"/>
+                <a16:creationId xmlns:a16="http://schemas.microsoft.com/office/drawing/2014/main" id="{CB273D54-0A4C-4467-A5EE-1D2D0731561F}"/>
               </a:ext>
             </a:extLst>
           </p:cNvPr>
@@ -7301,10 +8093,76 @@
           <a:bodyPr/>
           <a:lstStyle/>
           <a:p>
-            <a:endParaRPr lang="en-US" dirty="0"/>
-          </a:p>
-        </p:txBody>
-      </p:sp>
+            <a:pPr marL="0" indent="0">
+              <a:buNone/>
+            </a:pPr>
+            <a:r>
+              <a:rPr lang="en-US" dirty="0"/>
+              <a:t> </a:t>
+            </a:r>
+          </a:p>
+        </p:txBody>
+      </p:sp>
+      <p:pic>
+        <p:nvPicPr>
+          <p:cNvPr id="4" name="Picture 3">
+            <a:extLst>
+              <a:ext uri="{FF2B5EF4-FFF2-40B4-BE49-F238E27FC236}">
+                <a16:creationId xmlns:a16="http://schemas.microsoft.com/office/drawing/2014/main" id="{856F3681-DF6E-49F6-BDB4-9AFE7F4F9544}"/>
+              </a:ext>
+            </a:extLst>
+          </p:cNvPr>
+          <p:cNvPicPr>
+            <a:picLocks noChangeAspect="1"/>
+          </p:cNvPicPr>
+          <p:nvPr/>
+        </p:nvPicPr>
+        <p:blipFill>
+          <a:blip r:embed="rId2"/>
+          <a:stretch>
+            <a:fillRect/>
+          </a:stretch>
+        </p:blipFill>
+        <p:spPr>
+          <a:xfrm>
+            <a:off x="1574862" y="1781287"/>
+            <a:ext cx="4885975" cy="4351339"/>
+          </a:xfrm>
+          <a:prstGeom prst="rect">
+            <a:avLst/>
+          </a:prstGeom>
+        </p:spPr>
+      </p:pic>
+      <p:pic>
+        <p:nvPicPr>
+          <p:cNvPr id="5" name="Picture 4">
+            <a:extLst>
+              <a:ext uri="{FF2B5EF4-FFF2-40B4-BE49-F238E27FC236}">
+                <a16:creationId xmlns:a16="http://schemas.microsoft.com/office/drawing/2014/main" id="{8B5F6B16-5554-47F1-82DC-73FE570EB988}"/>
+              </a:ext>
+            </a:extLst>
+          </p:cNvPr>
+          <p:cNvPicPr>
+            <a:picLocks noChangeAspect="1"/>
+          </p:cNvPicPr>
+          <p:nvPr/>
+        </p:nvPicPr>
+        <p:blipFill>
+          <a:blip r:embed="rId3"/>
+          <a:stretch>
+            <a:fillRect/>
+          </a:stretch>
+        </p:blipFill>
+        <p:spPr>
+          <a:xfrm>
+            <a:off x="6978626" y="2105819"/>
+            <a:ext cx="3990975" cy="3790950"/>
+          </a:xfrm>
+          <a:prstGeom prst="rect">
+            <a:avLst/>
+          </a:prstGeom>
+        </p:spPr>
+      </p:pic>
     </p:spTree>
     <p:extLst>
       <p:ext uri="{BB962C8B-B14F-4D97-AF65-F5344CB8AC3E}">
@@ -7352,7 +8210,7 @@
           <p:cNvPr id="2" name="Title 1">
             <a:extLst>
               <a:ext uri="{FF2B5EF4-FFF2-40B4-BE49-F238E27FC236}">
-                <a16:creationId xmlns:a16="http://schemas.microsoft.com/office/drawing/2014/main" xmlns="" id="{2C741890-DAC4-4021-98F0-B480078668DE}"/>
+                <a16:creationId xmlns:a16="http://schemas.microsoft.com/office/drawing/2014/main" id="{2C741890-DAC4-4021-98F0-B480078668DE}"/>
               </a:ext>
             </a:extLst>
           </p:cNvPr>
@@ -7370,11 +8228,11 @@
           </a:bodyPr>
           <a:lstStyle/>
           <a:p>
-            <a:r>
-              <a:rPr lang="en-US" dirty="0" smtClean="0"/>
-              <a:t>#7 Time Signatures, Strong &amp; Weak Beats</a:t>
-            </a:r>
-            <a:endParaRPr lang="en-US" dirty="0"/>
+            <a:pPr algn="ctr"/>
+            <a:r>
+              <a:rPr lang="en-US" dirty="0"/>
+              <a:t>#7 Completing Bars, Strong &amp; Weak Beats</a:t>
+            </a:r>
           </a:p>
         </p:txBody>
       </p:sp>
@@ -7383,7 +8241,7 @@
           <p:cNvPr id="3" name="Content Placeholder 2">
             <a:extLst>
               <a:ext uri="{FF2B5EF4-FFF2-40B4-BE49-F238E27FC236}">
-                <a16:creationId xmlns:a16="http://schemas.microsoft.com/office/drawing/2014/main" xmlns="" id="{CB273D54-0A4C-4467-A5EE-1D2D0731561F}"/>
+                <a16:creationId xmlns:a16="http://schemas.microsoft.com/office/drawing/2014/main" id="{CB273D54-0A4C-4467-A5EE-1D2D0731561F}"/>
               </a:ext>
             </a:extLst>
           </p:cNvPr>
@@ -7399,10 +8257,76 @@
           <a:bodyPr/>
           <a:lstStyle/>
           <a:p>
-            <a:endParaRPr lang="en-US" dirty="0"/>
-          </a:p>
-        </p:txBody>
-      </p:sp>
+            <a:pPr marL="0" indent="0">
+              <a:buNone/>
+            </a:pPr>
+            <a:r>
+              <a:rPr lang="en-US" dirty="0"/>
+              <a:t> </a:t>
+            </a:r>
+          </a:p>
+        </p:txBody>
+      </p:sp>
+      <p:pic>
+        <p:nvPicPr>
+          <p:cNvPr id="4" name="Picture 3">
+            <a:extLst>
+              <a:ext uri="{FF2B5EF4-FFF2-40B4-BE49-F238E27FC236}">
+                <a16:creationId xmlns:a16="http://schemas.microsoft.com/office/drawing/2014/main" id="{DBCF7939-76A7-421A-BC98-54538F170B28}"/>
+              </a:ext>
+            </a:extLst>
+          </p:cNvPr>
+          <p:cNvPicPr>
+            <a:picLocks noChangeAspect="1"/>
+          </p:cNvPicPr>
+          <p:nvPr/>
+        </p:nvPicPr>
+        <p:blipFill>
+          <a:blip r:embed="rId2"/>
+          <a:stretch>
+            <a:fillRect/>
+          </a:stretch>
+        </p:blipFill>
+        <p:spPr>
+          <a:xfrm>
+            <a:off x="1583871" y="1814346"/>
+            <a:ext cx="3375932" cy="4362617"/>
+          </a:xfrm>
+          <a:prstGeom prst="rect">
+            <a:avLst/>
+          </a:prstGeom>
+        </p:spPr>
+      </p:pic>
+      <p:pic>
+        <p:nvPicPr>
+          <p:cNvPr id="5" name="Picture 4">
+            <a:extLst>
+              <a:ext uri="{FF2B5EF4-FFF2-40B4-BE49-F238E27FC236}">
+                <a16:creationId xmlns:a16="http://schemas.microsoft.com/office/drawing/2014/main" id="{60C15D63-702C-4456-BE41-5683906E5316}"/>
+              </a:ext>
+            </a:extLst>
+          </p:cNvPr>
+          <p:cNvPicPr>
+            <a:picLocks noChangeAspect="1"/>
+          </p:cNvPicPr>
+          <p:nvPr/>
+        </p:nvPicPr>
+        <p:blipFill>
+          <a:blip r:embed="rId3"/>
+          <a:stretch>
+            <a:fillRect/>
+          </a:stretch>
+        </p:blipFill>
+        <p:spPr>
+          <a:xfrm>
+            <a:off x="5757862" y="1825625"/>
+            <a:ext cx="5048197" cy="4297680"/>
+          </a:xfrm>
+          <a:prstGeom prst="rect">
+            <a:avLst/>
+          </a:prstGeom>
+        </p:spPr>
+      </p:pic>
     </p:spTree>
     <p:extLst>
       <p:ext uri="{BB962C8B-B14F-4D97-AF65-F5344CB8AC3E}">
@@ -7450,7 +8374,7 @@
           <p:cNvPr id="2" name="Title 1">
             <a:extLst>
               <a:ext uri="{FF2B5EF4-FFF2-40B4-BE49-F238E27FC236}">
-                <a16:creationId xmlns:a16="http://schemas.microsoft.com/office/drawing/2014/main" xmlns="" id="{2C741890-DAC4-4021-98F0-B480078668DE}"/>
+                <a16:creationId xmlns:a16="http://schemas.microsoft.com/office/drawing/2014/main" id="{2C741890-DAC4-4021-98F0-B480078668DE}"/>
               </a:ext>
             </a:extLst>
           </p:cNvPr>
@@ -7466,11 +8390,11 @@
           <a:bodyPr/>
           <a:lstStyle/>
           <a:p>
-            <a:r>
-              <a:rPr lang="en-US" dirty="0" smtClean="0"/>
-              <a:t>#8 Simi tones &amp; Whole Tones</a:t>
-            </a:r>
-            <a:endParaRPr lang="en-US" dirty="0"/>
+            <a:pPr algn="ctr"/>
+            <a:r>
+              <a:rPr lang="en-US" dirty="0"/>
+              <a:t>#8 Semi Tones &amp; Whole Tones</a:t>
+            </a:r>
           </a:p>
         </p:txBody>
       </p:sp>
@@ -7479,7 +8403,7 @@
           <p:cNvPr id="3" name="Content Placeholder 2">
             <a:extLst>
               <a:ext uri="{FF2B5EF4-FFF2-40B4-BE49-F238E27FC236}">
-                <a16:creationId xmlns:a16="http://schemas.microsoft.com/office/drawing/2014/main" xmlns="" id="{CB273D54-0A4C-4467-A5EE-1D2D0731561F}"/>
+                <a16:creationId xmlns:a16="http://schemas.microsoft.com/office/drawing/2014/main" id="{CB273D54-0A4C-4467-A5EE-1D2D0731561F}"/>
               </a:ext>
             </a:extLst>
           </p:cNvPr>
@@ -7495,10 +8419,76 @@
           <a:bodyPr/>
           <a:lstStyle/>
           <a:p>
-            <a:endParaRPr lang="en-US" dirty="0"/>
-          </a:p>
-        </p:txBody>
-      </p:sp>
+            <a:pPr marL="0" indent="0">
+              <a:buNone/>
+            </a:pPr>
+            <a:r>
+              <a:rPr lang="en-US" dirty="0"/>
+              <a:t> </a:t>
+            </a:r>
+          </a:p>
+        </p:txBody>
+      </p:sp>
+      <p:pic>
+        <p:nvPicPr>
+          <p:cNvPr id="4" name="Picture 3">
+            <a:extLst>
+              <a:ext uri="{FF2B5EF4-FFF2-40B4-BE49-F238E27FC236}">
+                <a16:creationId xmlns:a16="http://schemas.microsoft.com/office/drawing/2014/main" id="{CBFCB390-7F31-45B8-881B-188F954FE1D1}"/>
+              </a:ext>
+            </a:extLst>
+          </p:cNvPr>
+          <p:cNvPicPr>
+            <a:picLocks noChangeAspect="1"/>
+          </p:cNvPicPr>
+          <p:nvPr/>
+        </p:nvPicPr>
+        <p:blipFill>
+          <a:blip r:embed="rId2"/>
+          <a:stretch>
+            <a:fillRect/>
+          </a:stretch>
+        </p:blipFill>
+        <p:spPr>
+          <a:xfrm>
+            <a:off x="838200" y="1991405"/>
+            <a:ext cx="5895975" cy="3800475"/>
+          </a:xfrm>
+          <a:prstGeom prst="rect">
+            <a:avLst/>
+          </a:prstGeom>
+        </p:spPr>
+      </p:pic>
+      <p:pic>
+        <p:nvPicPr>
+          <p:cNvPr id="5" name="Picture 4">
+            <a:extLst>
+              <a:ext uri="{FF2B5EF4-FFF2-40B4-BE49-F238E27FC236}">
+                <a16:creationId xmlns:a16="http://schemas.microsoft.com/office/drawing/2014/main" id="{6348F1D7-3CE5-4B7E-BE92-EE354EC035FA}"/>
+              </a:ext>
+            </a:extLst>
+          </p:cNvPr>
+          <p:cNvPicPr>
+            <a:picLocks noChangeAspect="1"/>
+          </p:cNvPicPr>
+          <p:nvPr/>
+        </p:nvPicPr>
+        <p:blipFill>
+          <a:blip r:embed="rId3"/>
+          <a:stretch>
+            <a:fillRect/>
+          </a:stretch>
+        </p:blipFill>
+        <p:spPr>
+          <a:xfrm>
+            <a:off x="5474153" y="3096305"/>
+            <a:ext cx="5743575" cy="2695575"/>
+          </a:xfrm>
+          <a:prstGeom prst="rect">
+            <a:avLst/>
+          </a:prstGeom>
+        </p:spPr>
+      </p:pic>
     </p:spTree>
     <p:extLst>
       <p:ext uri="{BB962C8B-B14F-4D97-AF65-F5344CB8AC3E}">
@@ -7546,7 +8536,7 @@
           <p:cNvPr id="2" name="Title 1">
             <a:extLst>
               <a:ext uri="{FF2B5EF4-FFF2-40B4-BE49-F238E27FC236}">
-                <a16:creationId xmlns:a16="http://schemas.microsoft.com/office/drawing/2014/main" xmlns="" id="{2C741890-DAC4-4021-98F0-B480078668DE}"/>
+                <a16:creationId xmlns:a16="http://schemas.microsoft.com/office/drawing/2014/main" id="{2C741890-DAC4-4021-98F0-B480078668DE}"/>
               </a:ext>
             </a:extLst>
           </p:cNvPr>
@@ -7557,22 +8547,23 @@
             <p:ph type="title"/>
           </p:nvPr>
         </p:nvSpPr>
-        <p:spPr/>
+        <p:spPr>
+          <a:xfrm>
+            <a:off x="838200" y="365125"/>
+            <a:ext cx="10515600" cy="1325563"/>
+          </a:xfrm>
+        </p:spPr>
         <p:txBody>
           <a:bodyPr>
-            <a:normAutofit fontScale="90000"/>
+            <a:normAutofit/>
           </a:bodyPr>
           <a:lstStyle/>
           <a:p>
-            <a:r>
-              <a:rPr lang="en-US" dirty="0" smtClean="0"/>
-              <a:t>#9 Chromatic</a:t>
-            </a:r>
-            <a:r>
-              <a:rPr lang="en-US" dirty="0" smtClean="0"/>
-              <a:t>/Diatonic, Enharmonic Tones</a:t>
-            </a:r>
-            <a:endParaRPr lang="en-US" dirty="0"/>
+            <a:pPr algn="ctr"/>
+            <a:r>
+              <a:rPr lang="en-US" dirty="0"/>
+              <a:t>#9 Chromatic/Diatonic Enharmonic Tones</a:t>
+            </a:r>
           </a:p>
         </p:txBody>
       </p:sp>
@@ -7581,7 +8572,7 @@
           <p:cNvPr id="3" name="Content Placeholder 2">
             <a:extLst>
               <a:ext uri="{FF2B5EF4-FFF2-40B4-BE49-F238E27FC236}">
-                <a16:creationId xmlns:a16="http://schemas.microsoft.com/office/drawing/2014/main" xmlns="" id="{CB273D54-0A4C-4467-A5EE-1D2D0731561F}"/>
+                <a16:creationId xmlns:a16="http://schemas.microsoft.com/office/drawing/2014/main" id="{CB273D54-0A4C-4467-A5EE-1D2D0731561F}"/>
               </a:ext>
             </a:extLst>
           </p:cNvPr>
@@ -7592,15 +8583,56 @@
             <p:ph idx="1"/>
           </p:nvPr>
         </p:nvSpPr>
-        <p:spPr/>
+        <p:spPr>
+          <a:xfrm>
+            <a:off x="789214" y="1871662"/>
+            <a:ext cx="10515600" cy="4351338"/>
+          </a:xfrm>
+        </p:spPr>
         <p:txBody>
           <a:bodyPr/>
           <a:lstStyle/>
           <a:p>
-            <a:endParaRPr lang="en-US" dirty="0"/>
-          </a:p>
-        </p:txBody>
-      </p:sp>
+            <a:pPr marL="0" indent="0">
+              <a:buNone/>
+            </a:pPr>
+            <a:r>
+              <a:rPr lang="en-US" dirty="0"/>
+              <a:t> </a:t>
+            </a:r>
+          </a:p>
+        </p:txBody>
+      </p:sp>
+      <p:pic>
+        <p:nvPicPr>
+          <p:cNvPr id="5" name="Picture 4">
+            <a:extLst>
+              <a:ext uri="{FF2B5EF4-FFF2-40B4-BE49-F238E27FC236}">
+                <a16:creationId xmlns:a16="http://schemas.microsoft.com/office/drawing/2014/main" id="{28C95864-A6BB-413A-B07B-FA26085BFEB6}"/>
+              </a:ext>
+            </a:extLst>
+          </p:cNvPr>
+          <p:cNvPicPr>
+            <a:picLocks noChangeAspect="1"/>
+          </p:cNvPicPr>
+          <p:nvPr/>
+        </p:nvPicPr>
+        <p:blipFill>
+          <a:blip r:embed="rId2"/>
+          <a:stretch>
+            <a:fillRect/>
+          </a:stretch>
+        </p:blipFill>
+        <p:spPr>
+          <a:xfrm>
+            <a:off x="2389457" y="1920300"/>
+            <a:ext cx="7294428" cy="4162789"/>
+          </a:xfrm>
+          <a:prstGeom prst="rect">
+            <a:avLst/>
+          </a:prstGeom>
+        </p:spPr>
+      </p:pic>
     </p:spTree>
     <p:extLst>
       <p:ext uri="{BB962C8B-B14F-4D97-AF65-F5344CB8AC3E}">
@@ -7648,7 +8680,7 @@
           <p:cNvPr id="2" name="Title 1">
             <a:extLst>
               <a:ext uri="{FF2B5EF4-FFF2-40B4-BE49-F238E27FC236}">
-                <a16:creationId xmlns:a16="http://schemas.microsoft.com/office/drawing/2014/main" xmlns="" id="{2C741890-DAC4-4021-98F0-B480078668DE}"/>
+                <a16:creationId xmlns:a16="http://schemas.microsoft.com/office/drawing/2014/main" id="{2C741890-DAC4-4021-98F0-B480078668DE}"/>
               </a:ext>
             </a:extLst>
           </p:cNvPr>
@@ -7664,11 +8696,11 @@
           <a:bodyPr/>
           <a:lstStyle/>
           <a:p>
-            <a:r>
-              <a:rPr lang="en-US" dirty="0" smtClean="0"/>
+            <a:pPr algn="ctr"/>
+            <a:r>
+              <a:rPr lang="en-US" dirty="0"/>
               <a:t>#10 Major Scale</a:t>
             </a:r>
-            <a:endParaRPr lang="en-US" dirty="0"/>
           </a:p>
         </p:txBody>
       </p:sp>
@@ -7677,7 +8709,7 @@
           <p:cNvPr id="3" name="Content Placeholder 2">
             <a:extLst>
               <a:ext uri="{FF2B5EF4-FFF2-40B4-BE49-F238E27FC236}">
-                <a16:creationId xmlns:a16="http://schemas.microsoft.com/office/drawing/2014/main" xmlns="" id="{CB273D54-0A4C-4467-A5EE-1D2D0731561F}"/>
+                <a16:creationId xmlns:a16="http://schemas.microsoft.com/office/drawing/2014/main" id="{CB273D54-0A4C-4467-A5EE-1D2D0731561F}"/>
               </a:ext>
             </a:extLst>
           </p:cNvPr>
@@ -7693,10 +8725,76 @@
           <a:bodyPr/>
           <a:lstStyle/>
           <a:p>
-            <a:endParaRPr lang="en-US" dirty="0"/>
-          </a:p>
-        </p:txBody>
-      </p:sp>
+            <a:pPr marL="0" indent="0">
+              <a:buNone/>
+            </a:pPr>
+            <a:r>
+              <a:rPr lang="en-US" dirty="0"/>
+              <a:t> </a:t>
+            </a:r>
+          </a:p>
+        </p:txBody>
+      </p:sp>
+      <p:pic>
+        <p:nvPicPr>
+          <p:cNvPr id="4" name="Picture 3">
+            <a:extLst>
+              <a:ext uri="{FF2B5EF4-FFF2-40B4-BE49-F238E27FC236}">
+                <a16:creationId xmlns:a16="http://schemas.microsoft.com/office/drawing/2014/main" id="{B8D6A200-236B-46E1-BBA7-971CF8F39A51}"/>
+              </a:ext>
+            </a:extLst>
+          </p:cNvPr>
+          <p:cNvPicPr>
+            <a:picLocks noChangeAspect="1"/>
+          </p:cNvPicPr>
+          <p:nvPr/>
+        </p:nvPicPr>
+        <p:blipFill>
+          <a:blip r:embed="rId2"/>
+          <a:stretch>
+            <a:fillRect/>
+          </a:stretch>
+        </p:blipFill>
+        <p:spPr>
+          <a:xfrm>
+            <a:off x="1309686" y="2363107"/>
+            <a:ext cx="3857625" cy="3048000"/>
+          </a:xfrm>
+          <a:prstGeom prst="rect">
+            <a:avLst/>
+          </a:prstGeom>
+        </p:spPr>
+      </p:pic>
+      <p:pic>
+        <p:nvPicPr>
+          <p:cNvPr id="6" name="Picture 5">
+            <a:extLst>
+              <a:ext uri="{FF2B5EF4-FFF2-40B4-BE49-F238E27FC236}">
+                <a16:creationId xmlns:a16="http://schemas.microsoft.com/office/drawing/2014/main" id="{46DCEC74-6603-43DB-ACEC-F0FDB798931C}"/>
+              </a:ext>
+            </a:extLst>
+          </p:cNvPr>
+          <p:cNvPicPr>
+            <a:picLocks noChangeAspect="1"/>
+          </p:cNvPicPr>
+          <p:nvPr/>
+        </p:nvPicPr>
+        <p:blipFill>
+          <a:blip r:embed="rId3"/>
+          <a:stretch>
+            <a:fillRect/>
+          </a:stretch>
+        </p:blipFill>
+        <p:spPr>
+          <a:xfrm>
+            <a:off x="6353855" y="1934482"/>
+            <a:ext cx="4143375" cy="3905250"/>
+          </a:xfrm>
+          <a:prstGeom prst="rect">
+            <a:avLst/>
+          </a:prstGeom>
+        </p:spPr>
+      </p:pic>
     </p:spTree>
     <p:extLst>
       <p:ext uri="{BB962C8B-B14F-4D97-AF65-F5344CB8AC3E}">
@@ -7744,7 +8842,7 @@
           <p:cNvPr id="2" name="Title 1">
             <a:extLst>
               <a:ext uri="{FF2B5EF4-FFF2-40B4-BE49-F238E27FC236}">
-                <a16:creationId xmlns:a16="http://schemas.microsoft.com/office/drawing/2014/main" xmlns="" id="{2C741890-DAC4-4021-98F0-B480078668DE}"/>
+                <a16:creationId xmlns:a16="http://schemas.microsoft.com/office/drawing/2014/main" id="{2C741890-DAC4-4021-98F0-B480078668DE}"/>
               </a:ext>
             </a:extLst>
           </p:cNvPr>
@@ -7762,18 +8860,18 @@
           </a:bodyPr>
           <a:lstStyle/>
           <a:p>
-            <a:r>
-              <a:rPr lang="en-US" dirty="0" smtClean="0"/>
+            <a:pPr algn="ctr"/>
+            <a:r>
+              <a:rPr lang="en-US" dirty="0"/>
               <a:t>#11 Minor Scale (Natural &amp; Harmonic)</a:t>
             </a:r>
             <a:br>
-              <a:rPr lang="en-US" dirty="0" smtClean="0"/>
+              <a:rPr lang="en-US" dirty="0"/>
             </a:br>
             <a:r>
-              <a:rPr lang="en-US" dirty="0" smtClean="0"/>
+              <a:rPr lang="en-US" dirty="0"/>
               <a:t>Melodic + Relative Minor</a:t>
             </a:r>
-            <a:endParaRPr lang="en-US" dirty="0"/>
           </a:p>
         </p:txBody>
       </p:sp>
@@ -7782,7 +8880,7 @@
           <p:cNvPr id="3" name="Content Placeholder 2">
             <a:extLst>
               <a:ext uri="{FF2B5EF4-FFF2-40B4-BE49-F238E27FC236}">
-                <a16:creationId xmlns:a16="http://schemas.microsoft.com/office/drawing/2014/main" xmlns="" id="{CB273D54-0A4C-4467-A5EE-1D2D0731561F}"/>
+                <a16:creationId xmlns:a16="http://schemas.microsoft.com/office/drawing/2014/main" id="{CB273D54-0A4C-4467-A5EE-1D2D0731561F}"/>
               </a:ext>
             </a:extLst>
           </p:cNvPr>
@@ -7798,10 +8896,46 @@
           <a:bodyPr/>
           <a:lstStyle/>
           <a:p>
-            <a:endParaRPr lang="en-US" dirty="0"/>
-          </a:p>
-        </p:txBody>
-      </p:sp>
+            <a:pPr marL="0" indent="0">
+              <a:buNone/>
+            </a:pPr>
+            <a:r>
+              <a:rPr lang="en-US" dirty="0"/>
+              <a:t> </a:t>
+            </a:r>
+          </a:p>
+        </p:txBody>
+      </p:sp>
+      <p:pic>
+        <p:nvPicPr>
+          <p:cNvPr id="4" name="Picture 3">
+            <a:extLst>
+              <a:ext uri="{FF2B5EF4-FFF2-40B4-BE49-F238E27FC236}">
+                <a16:creationId xmlns:a16="http://schemas.microsoft.com/office/drawing/2014/main" id="{17FCC706-C6A0-4C4B-86E0-E98ABCAFC285}"/>
+              </a:ext>
+            </a:extLst>
+          </p:cNvPr>
+          <p:cNvPicPr>
+            <a:picLocks noChangeAspect="1"/>
+          </p:cNvPicPr>
+          <p:nvPr/>
+        </p:nvPicPr>
+        <p:blipFill>
+          <a:blip r:embed="rId2"/>
+          <a:stretch>
+            <a:fillRect/>
+          </a:stretch>
+        </p:blipFill>
+        <p:spPr>
+          <a:xfrm>
+            <a:off x="2699657" y="2379208"/>
+            <a:ext cx="6305550" cy="3133725"/>
+          </a:xfrm>
+          <a:prstGeom prst="rect">
+            <a:avLst/>
+          </a:prstGeom>
+        </p:spPr>
+      </p:pic>
     </p:spTree>
     <p:extLst>
       <p:ext uri="{BB962C8B-B14F-4D97-AF65-F5344CB8AC3E}">
@@ -7849,7 +8983,7 @@
           <p:cNvPr id="2" name="Title 1">
             <a:extLst>
               <a:ext uri="{FF2B5EF4-FFF2-40B4-BE49-F238E27FC236}">
-                <a16:creationId xmlns:a16="http://schemas.microsoft.com/office/drawing/2014/main" xmlns="" id="{2C741890-DAC4-4021-98F0-B480078668DE}"/>
+                <a16:creationId xmlns:a16="http://schemas.microsoft.com/office/drawing/2014/main" id="{2C741890-DAC4-4021-98F0-B480078668DE}"/>
               </a:ext>
             </a:extLst>
           </p:cNvPr>
@@ -7867,11 +9001,11 @@
           </a:bodyPr>
           <a:lstStyle/>
           <a:p>
-            <a:r>
-              <a:rPr lang="en-US" dirty="0" smtClean="0"/>
+            <a:pPr algn="ctr"/>
+            <a:r>
+              <a:rPr lang="en-US" dirty="0"/>
               <a:t>#12 Order of Sharps and Flats + Key Signatures</a:t>
             </a:r>
-            <a:endParaRPr lang="en-US" dirty="0"/>
           </a:p>
         </p:txBody>
       </p:sp>
@@ -7880,7 +9014,7 @@
           <p:cNvPr id="3" name="Content Placeholder 2">
             <a:extLst>
               <a:ext uri="{FF2B5EF4-FFF2-40B4-BE49-F238E27FC236}">
-                <a16:creationId xmlns:a16="http://schemas.microsoft.com/office/drawing/2014/main" xmlns="" id="{CB273D54-0A4C-4467-A5EE-1D2D0731561F}"/>
+                <a16:creationId xmlns:a16="http://schemas.microsoft.com/office/drawing/2014/main" id="{CB273D54-0A4C-4467-A5EE-1D2D0731561F}"/>
               </a:ext>
             </a:extLst>
           </p:cNvPr>
@@ -7896,10 +9030,94 @@
           <a:bodyPr/>
           <a:lstStyle/>
           <a:p>
-            <a:endParaRPr lang="en-US" dirty="0"/>
-          </a:p>
-        </p:txBody>
-      </p:sp>
+            <a:pPr marL="0" indent="0" algn="ctr">
+              <a:buNone/>
+            </a:pPr>
+            <a:r>
+              <a:rPr lang="en-US" dirty="0"/>
+              <a:t> Order</a:t>
+            </a:r>
+          </a:p>
+          <a:p>
+            <a:pPr marL="0" indent="0" algn="ctr">
+              <a:buNone/>
+            </a:pPr>
+            <a:r>
+              <a:rPr lang="en-US" dirty="0"/>
+              <a:t>Sharps # Father Charles Goes Down And Ends Battle</a:t>
+            </a:r>
+          </a:p>
+          <a:p>
+            <a:pPr marL="0" indent="0" algn="ctr">
+              <a:buNone/>
+            </a:pPr>
+            <a:r>
+              <a:rPr lang="en-US" dirty="0"/>
+              <a:t>Flats b Battle Ends And Down Goes Charles Father</a:t>
+            </a:r>
+          </a:p>
+        </p:txBody>
+      </p:sp>
+      <p:pic>
+        <p:nvPicPr>
+          <p:cNvPr id="4" name="Picture 3">
+            <a:extLst>
+              <a:ext uri="{FF2B5EF4-FFF2-40B4-BE49-F238E27FC236}">
+                <a16:creationId xmlns:a16="http://schemas.microsoft.com/office/drawing/2014/main" id="{10CCD559-EE58-4E18-A67A-E046D815D86E}"/>
+              </a:ext>
+            </a:extLst>
+          </p:cNvPr>
+          <p:cNvPicPr>
+            <a:picLocks noChangeAspect="1"/>
+          </p:cNvPicPr>
+          <p:nvPr/>
+        </p:nvPicPr>
+        <p:blipFill>
+          <a:blip r:embed="rId2"/>
+          <a:stretch>
+            <a:fillRect/>
+          </a:stretch>
+        </p:blipFill>
+        <p:spPr>
+          <a:xfrm>
+            <a:off x="2623457" y="3317247"/>
+            <a:ext cx="2673804" cy="2859716"/>
+          </a:xfrm>
+          <a:prstGeom prst="rect">
+            <a:avLst/>
+          </a:prstGeom>
+        </p:spPr>
+      </p:pic>
+      <p:pic>
+        <p:nvPicPr>
+          <p:cNvPr id="5" name="Picture 4">
+            <a:extLst>
+              <a:ext uri="{FF2B5EF4-FFF2-40B4-BE49-F238E27FC236}">
+                <a16:creationId xmlns:a16="http://schemas.microsoft.com/office/drawing/2014/main" id="{8C080F9B-36FB-40AD-85E1-B7AC199402E6}"/>
+              </a:ext>
+            </a:extLst>
+          </p:cNvPr>
+          <p:cNvPicPr>
+            <a:picLocks noChangeAspect="1"/>
+          </p:cNvPicPr>
+          <p:nvPr/>
+        </p:nvPicPr>
+        <p:blipFill>
+          <a:blip r:embed="rId3"/>
+          <a:stretch>
+            <a:fillRect/>
+          </a:stretch>
+        </p:blipFill>
+        <p:spPr>
+          <a:xfrm>
+            <a:off x="6894741" y="3250883"/>
+            <a:ext cx="2513424" cy="2926080"/>
+          </a:xfrm>
+          <a:prstGeom prst="rect">
+            <a:avLst/>
+          </a:prstGeom>
+        </p:spPr>
+      </p:pic>
     </p:spTree>
     <p:extLst>
       <p:ext uri="{BB962C8B-B14F-4D97-AF65-F5344CB8AC3E}">
@@ -8249,7 +9467,7 @@
   <a:extraClrSchemeLst/>
   <a:extLst>
     <a:ext uri="{05A4C25C-085E-4340-85A3-A5531E510DB2}">
-      <thm15:themeFamily xmlns:thm15="http://schemas.microsoft.com/office/thememl/2012/main" xmlns="" name="Sheet music design slides.potx" id="{09D230C4-ED1F-4782-ABA0-B528A81E30C6}" vid="{782C1FB5-44AD-41D7-B4F1-9A54F55FAEF7}"/>
+      <thm15:themeFamily xmlns:thm15="http://schemas.microsoft.com/office/thememl/2012/main" name="Sheet music design slides.potx" id="{09D230C4-ED1F-4782-ABA0-B528A81E30C6}" vid="{782C1FB5-44AD-41D7-B4F1-9A54F55FAEF7}"/>
     </a:ext>
   </a:extLst>
 </a:theme>
@@ -8510,7 +9728,7 @@
   <a:extraClrSchemeLst/>
   <a:extLst>
     <a:ext uri="{05A4C25C-085E-4340-85A3-A5531E510DB2}">
-      <thm15:themeFamily xmlns:thm15="http://schemas.microsoft.com/office/thememl/2012/main" xmlns="" name="Office Theme" id="{62F939B6-93AF-4DB8-9C6B-D6C7DFDC589F}" vid="{4A3C46E8-61CC-4603-A589-7422A47A8E4A}"/>
+      <thm15:themeFamily xmlns:thm15="http://schemas.microsoft.com/office/thememl/2012/main" name="Office Theme" id="{62F939B6-93AF-4DB8-9C6B-D6C7DFDC589F}" vid="{4A3C46E8-61CC-4603-A589-7422A47A8E4A}"/>
     </a:ext>
   </a:extLst>
 </a:theme>
@@ -8771,7 +9989,7 @@
   <a:extraClrSchemeLst/>
   <a:extLst>
     <a:ext uri="{05A4C25C-085E-4340-85A3-A5531E510DB2}">
-      <thm15:themeFamily xmlns:thm15="http://schemas.microsoft.com/office/thememl/2012/main" xmlns="" name="Office Theme" id="{62F939B6-93AF-4DB8-9C6B-D6C7DFDC589F}" vid="{4A3C46E8-61CC-4603-A589-7422A47A8E4A}"/>
+      <thm15:themeFamily xmlns:thm15="http://schemas.microsoft.com/office/thememl/2012/main" name="Office Theme" id="{62F939B6-93AF-4DB8-9C6B-D6C7DFDC589F}" vid="{4A3C46E8-61CC-4603-A589-7422A47A8E4A}"/>
     </a:ext>
   </a:extLst>
 </a:theme>
